--- a/Xamarin.Prism.Forms.3371.pptx
+++ b/Xamarin.Prism.Forms.3371.pptx
@@ -7,31 +7,33 @@
     <p:sldMasterId id="2147483662" r:id="rId3"/>
   </p:sldMasterIdLst>
   <p:notesMasterIdLst>
-    <p:notesMasterId r:id="rId26"/>
+    <p:notesMasterId r:id="rId28"/>
   </p:notesMasterIdLst>
   <p:sldIdLst>
     <p:sldId id="256" r:id="rId4"/>
     <p:sldId id="257" r:id="rId5"/>
     <p:sldId id="267" r:id="rId6"/>
     <p:sldId id="266" r:id="rId7"/>
-    <p:sldId id="268" r:id="rId8"/>
-    <p:sldId id="269" r:id="rId9"/>
-    <p:sldId id="270" r:id="rId10"/>
-    <p:sldId id="271" r:id="rId11"/>
-    <p:sldId id="272" r:id="rId12"/>
-    <p:sldId id="273" r:id="rId13"/>
-    <p:sldId id="274" r:id="rId14"/>
-    <p:sldId id="275" r:id="rId15"/>
-    <p:sldId id="276" r:id="rId16"/>
-    <p:sldId id="277" r:id="rId17"/>
-    <p:sldId id="278" r:id="rId18"/>
-    <p:sldId id="279" r:id="rId19"/>
-    <p:sldId id="280" r:id="rId20"/>
-    <p:sldId id="281" r:id="rId21"/>
-    <p:sldId id="282" r:id="rId22"/>
-    <p:sldId id="283" r:id="rId23"/>
-    <p:sldId id="285" r:id="rId24"/>
-    <p:sldId id="284" r:id="rId25"/>
+    <p:sldId id="287" r:id="rId8"/>
+    <p:sldId id="288" r:id="rId9"/>
+    <p:sldId id="286" r:id="rId10"/>
+    <p:sldId id="269" r:id="rId11"/>
+    <p:sldId id="270" r:id="rId12"/>
+    <p:sldId id="271" r:id="rId13"/>
+    <p:sldId id="272" r:id="rId14"/>
+    <p:sldId id="273" r:id="rId15"/>
+    <p:sldId id="274" r:id="rId16"/>
+    <p:sldId id="275" r:id="rId17"/>
+    <p:sldId id="276" r:id="rId18"/>
+    <p:sldId id="277" r:id="rId19"/>
+    <p:sldId id="278" r:id="rId20"/>
+    <p:sldId id="279" r:id="rId21"/>
+    <p:sldId id="280" r:id="rId22"/>
+    <p:sldId id="281" r:id="rId23"/>
+    <p:sldId id="282" r:id="rId24"/>
+    <p:sldId id="283" r:id="rId25"/>
+    <p:sldId id="285" r:id="rId26"/>
+    <p:sldId id="284" r:id="rId27"/>
   </p:sldIdLst>
   <p:sldSz cx="12192000" cy="6858000"/>
   <p:notesSz cx="6858000" cy="9144000"/>
@@ -220,7 +222,7 @@
           <a:p>
             <a:fld id="{A5C20BB3-3CCB-4FE5-991B-82F6BCB48AF3}" type="datetimeFigureOut">
               <a:rPr lang="en-US" smtClean="0"/>
-              <a:t>10/25/2018</a:t>
+              <a:t>5/22/2019</a:t>
             </a:fld>
             <a:endParaRPr lang="en-US"/>
           </a:p>
@@ -716,7 +718,7 @@
           <a:p>
             <a:fld id="{48A87A34-81AB-432B-8DAE-1953F412C126}" type="datetimeFigureOut">
               <a:rPr lang="en-US" dirty="0"/>
-              <a:t>10/25/2018</a:t>
+              <a:t>5/22/2019</a:t>
             </a:fld>
             <a:endParaRPr lang="en-US" dirty="0"/>
           </a:p>
@@ -927,7 +929,7 @@
           <a:p>
             <a:fld id="{48A87A34-81AB-432B-8DAE-1953F412C126}" type="datetimeFigureOut">
               <a:rPr lang="en-US" dirty="0"/>
-              <a:t>10/25/2018</a:t>
+              <a:t>5/22/2019</a:t>
             </a:fld>
             <a:endParaRPr lang="en-US" dirty="0"/>
           </a:p>
@@ -1142,7 +1144,7 @@
           <a:p>
             <a:fld id="{48A87A34-81AB-432B-8DAE-1953F412C126}" type="datetimeFigureOut">
               <a:rPr lang="en-US" dirty="0"/>
-              <a:t>10/25/2018</a:t>
+              <a:t>5/22/2019</a:t>
             </a:fld>
             <a:endParaRPr lang="en-US" dirty="0"/>
           </a:p>
@@ -1303,7 +1305,7 @@
             <a:fld id="{48A87A34-81AB-432B-8DAE-1953F412C126}" type="datetimeFigureOut">
               <a:rPr lang="en-US" smtClean="0"/>
               <a:pPr/>
-              <a:t>10/25/2018</a:t>
+              <a:t>5/22/2019</a:t>
             </a:fld>
             <a:endParaRPr lang="en-US" dirty="0"/>
           </a:p>
@@ -1556,7 +1558,7 @@
           <a:p>
             <a:fld id="{3652CD92-9D15-43B4-8516-073FCDAC90D4}" type="datetimeFigureOut">
               <a:rPr lang="en-US" smtClean="0"/>
-              <a:t>10/25/2018</a:t>
+              <a:t>5/22/2019</a:t>
             </a:fld>
             <a:endParaRPr lang="en-US"/>
           </a:p>
@@ -1968,7 +1970,7 @@
           <a:p>
             <a:fld id="{48A87A34-81AB-432B-8DAE-1953F412C126}" type="datetimeFigureOut">
               <a:rPr lang="en-US" dirty="0"/>
-              <a:t>10/25/2018</a:t>
+              <a:t>5/22/2019</a:t>
             </a:fld>
             <a:endParaRPr lang="en-US" dirty="0"/>
           </a:p>
@@ -2247,7 +2249,7 @@
           <a:p>
             <a:fld id="{48A87A34-81AB-432B-8DAE-1953F412C126}" type="datetimeFigureOut">
               <a:rPr lang="en-US" dirty="0"/>
-              <a:t>10/25/2018</a:t>
+              <a:t>5/22/2019</a:t>
             </a:fld>
             <a:endParaRPr lang="en-US" dirty="0"/>
           </a:p>
@@ -2515,7 +2517,7 @@
           <a:p>
             <a:fld id="{48A87A34-81AB-432B-8DAE-1953F412C126}" type="datetimeFigureOut">
               <a:rPr lang="en-US" dirty="0"/>
-              <a:t>10/25/2018</a:t>
+              <a:t>5/22/2019</a:t>
             </a:fld>
             <a:endParaRPr lang="en-US" dirty="0"/>
           </a:p>
@@ -2931,7 +2933,7 @@
           <a:p>
             <a:fld id="{48A87A34-81AB-432B-8DAE-1953F412C126}" type="datetimeFigureOut">
               <a:rPr lang="en-US" dirty="0"/>
-              <a:t>10/25/2018</a:t>
+              <a:t>5/22/2019</a:t>
             </a:fld>
             <a:endParaRPr lang="en-US" dirty="0"/>
           </a:p>
@@ -3080,7 +3082,7 @@
           <a:p>
             <a:fld id="{48A87A34-81AB-432B-8DAE-1953F412C126}" type="datetimeFigureOut">
               <a:rPr lang="en-US" dirty="0"/>
-              <a:t>10/25/2018</a:t>
+              <a:t>5/22/2019</a:t>
             </a:fld>
             <a:endParaRPr lang="en-US" dirty="0"/>
           </a:p>
@@ -3206,7 +3208,7 @@
           <a:p>
             <a:fld id="{48A87A34-81AB-432B-8DAE-1953F412C126}" type="datetimeFigureOut">
               <a:rPr lang="en-US" dirty="0"/>
-              <a:t>10/25/2018</a:t>
+              <a:t>5/22/2019</a:t>
             </a:fld>
             <a:endParaRPr lang="en-US" dirty="0"/>
           </a:p>
@@ -3457,7 +3459,7 @@
           <a:p>
             <a:fld id="{48A87A34-81AB-432B-8DAE-1953F412C126}" type="datetimeFigureOut">
               <a:rPr lang="en-US" dirty="0"/>
-              <a:t>10/25/2018</a:t>
+              <a:t>5/22/2019</a:t>
             </a:fld>
             <a:endParaRPr lang="en-US" dirty="0"/>
           </a:p>
@@ -3903,7 +3905,7 @@
             <a:fld id="{48A87A34-81AB-432B-8DAE-1953F412C126}" type="datetimeFigureOut">
               <a:rPr lang="en-US" dirty="0"/>
               <a:pPr/>
-              <a:t>10/25/2018</a:t>
+              <a:t>5/22/2019</a:t>
             </a:fld>
             <a:endParaRPr lang="en-US" dirty="0"/>
           </a:p>
@@ -4250,7 +4252,7 @@
             <a:fld id="{48A87A34-81AB-432B-8DAE-1953F412C126}" type="datetimeFigureOut">
               <a:rPr lang="en-US" dirty="0"/>
               <a:pPr/>
-              <a:t>10/25/2018</a:t>
+              <a:t>5/22/2019</a:t>
             </a:fld>
             <a:endParaRPr lang="en-US" dirty="0"/>
           </a:p>
@@ -4928,7 +4930,7 @@
           <a:p>
             <a:fld id="{3652CD92-9D15-43B4-8516-073FCDAC90D4}" type="datetimeFigureOut">
               <a:rPr lang="en-US" smtClean="0"/>
-              <a:t>10/25/2018</a:t>
+              <a:t>5/22/2019</a:t>
             </a:fld>
             <a:endParaRPr lang="en-US"/>
           </a:p>
@@ -6073,10 +6075,10 @@
       </p:grpSpPr>
       <p:sp>
         <p:nvSpPr>
-          <p:cNvPr id="2" name="Title 1">
+          <p:cNvPr id="4" name="Title 3">
             <a:extLst>
               <a:ext uri="{FF2B5EF4-FFF2-40B4-BE49-F238E27FC236}">
-                <a16:creationId xmlns:a16="http://schemas.microsoft.com/office/drawing/2014/main" id="{07FEAE4F-D66E-4BB2-ACB7-0648A0A272EF}"/>
+                <a16:creationId xmlns:a16="http://schemas.microsoft.com/office/drawing/2014/main" id="{BAA22573-8191-4C39-AB80-1B97EE7EBA80}"/>
               </a:ext>
             </a:extLst>
           </p:cNvPr>
@@ -6094,17 +6096,17 @@
           <a:p>
             <a:r>
               <a:rPr lang="en-US" dirty="0"/>
-              <a:t>3.2 Demo</a:t>
-            </a:r>
-          </a:p>
-        </p:txBody>
-      </p:sp>
-      <p:sp>
-        <p:nvSpPr>
-          <p:cNvPr id="4" name="Text Placeholder 3">
+              <a:t>3.1 Demo</a:t>
+            </a:r>
+          </a:p>
+        </p:txBody>
+      </p:sp>
+      <p:sp>
+        <p:nvSpPr>
+          <p:cNvPr id="5" name="Text Placeholder 4">
             <a:extLst>
               <a:ext uri="{FF2B5EF4-FFF2-40B4-BE49-F238E27FC236}">
-                <a16:creationId xmlns:a16="http://schemas.microsoft.com/office/drawing/2014/main" id="{40B9028A-5718-4D56-BA53-19F071FFA1CF}"/>
+                <a16:creationId xmlns:a16="http://schemas.microsoft.com/office/drawing/2014/main" id="{85EDC043-3688-455E-AFE7-73BF1FFD2B6B}"/>
               </a:ext>
             </a:extLst>
           </p:cNvPr>
@@ -6122,23 +6124,7 @@
           <a:p>
             <a:r>
               <a:rPr lang="en-US" dirty="0"/>
-              <a:t>Custom </a:t>
-            </a:r>
-            <a:r>
-              <a:rPr lang="en-US" dirty="0" err="1"/>
-              <a:t>Titlebar</a:t>
-            </a:r>
-            <a:r>
-              <a:rPr lang="en-US" dirty="0"/>
-              <a:t>, Editor Placeholder Color,  </a:t>
-            </a:r>
-            <a:r>
-              <a:rPr lang="en-US" dirty="0" err="1"/>
-              <a:t>OnPlatform</a:t>
-            </a:r>
-            <a:r>
-              <a:rPr lang="en-US" dirty="0"/>
-              <a:t> Extension</a:t>
+              <a:t>Editor Enhancements, Entry Enhancements</a:t>
             </a:r>
           </a:p>
         </p:txBody>
@@ -6146,7 +6132,7 @@
     </p:spTree>
     <p:extLst>
       <p:ext uri="{BB962C8B-B14F-4D97-AF65-F5344CB8AC3E}">
-        <p14:creationId xmlns:p14="http://schemas.microsoft.com/office/powerpoint/2010/main" val="1296900612"/>
+        <p14:creationId xmlns:p14="http://schemas.microsoft.com/office/powerpoint/2010/main" val="518099457"/>
       </p:ext>
     </p:extLst>
   </p:cSld>
@@ -6178,7 +6164,7 @@
           <p:cNvPr id="4" name="Title 3">
             <a:extLst>
               <a:ext uri="{FF2B5EF4-FFF2-40B4-BE49-F238E27FC236}">
-                <a16:creationId xmlns:a16="http://schemas.microsoft.com/office/drawing/2014/main" id="{D7AA0894-4F19-407A-A650-B654FF47A7F8}"/>
+                <a16:creationId xmlns:a16="http://schemas.microsoft.com/office/drawing/2014/main" id="{DC572856-3748-43C5-9F8A-05A70671F7B6}"/>
               </a:ext>
             </a:extLst>
           </p:cNvPr>
@@ -6200,7 +6186,7 @@
             </a:r>
             <a:r>
               <a:rPr lang="en-US" dirty="0"/>
-              <a:t> 3.3</a:t>
+              <a:t> 3.2</a:t>
             </a:r>
           </a:p>
         </p:txBody>
@@ -6210,7 +6196,7 @@
           <p:cNvPr id="5" name="Content Placeholder 4">
             <a:extLst>
               <a:ext uri="{FF2B5EF4-FFF2-40B4-BE49-F238E27FC236}">
-                <a16:creationId xmlns:a16="http://schemas.microsoft.com/office/drawing/2014/main" id="{0650AD1C-97D8-4527-990D-42915BADF70F}"/>
+                <a16:creationId xmlns:a16="http://schemas.microsoft.com/office/drawing/2014/main" id="{BEB02382-01EF-498E-8115-DB65F5FA668F}"/>
               </a:ext>
             </a:extLst>
           </p:cNvPr>
@@ -6223,9 +6209,7 @@
         </p:nvSpPr>
         <p:spPr/>
         <p:txBody>
-          <a:bodyPr>
-            <a:normAutofit/>
-          </a:bodyPr>
+          <a:bodyPr/>
           <a:lstStyle/>
           <a:p>
             <a:r>
@@ -6236,20 +6220,29 @@
           <a:p>
             <a:r>
               <a:rPr lang="en-US" dirty="0"/>
-              <a:t>Label </a:t>
+              <a:t>Custom </a:t>
             </a:r>
             <a:r>
               <a:rPr lang="en-US" dirty="0" err="1"/>
-              <a:t>MaxLines</a:t>
+              <a:t>Titlebar</a:t>
             </a:r>
             <a:endParaRPr lang="en-US" dirty="0"/>
           </a:p>
           <a:p>
             <a:r>
+              <a:rPr lang="en-US" dirty="0"/>
+              <a:t>Editor Placeholder Color</a:t>
+            </a:r>
+          </a:p>
+          <a:p>
+            <a:r>
               <a:rPr lang="en-US" dirty="0" err="1"/>
-              <a:t>FormattedText</a:t>
-            </a:r>
-            <a:endParaRPr lang="en-US" dirty="0"/>
+              <a:t>OnPlatform</a:t>
+            </a:r>
+            <a:r>
+              <a:rPr lang="en-US" dirty="0"/>
+              <a:t> Extension</a:t>
+            </a:r>
           </a:p>
           <a:p>
             <a:endParaRPr lang="en-US" dirty="0"/>
@@ -6259,7 +6252,7 @@
     </p:spTree>
     <p:extLst>
       <p:ext uri="{BB962C8B-B14F-4D97-AF65-F5344CB8AC3E}">
-        <p14:creationId xmlns:p14="http://schemas.microsoft.com/office/powerpoint/2010/main" val="600735717"/>
+        <p14:creationId xmlns:p14="http://schemas.microsoft.com/office/powerpoint/2010/main" val="233903326"/>
       </p:ext>
     </p:extLst>
   </p:cSld>
@@ -6291,7 +6284,7 @@
           <p:cNvPr id="2" name="Title 1">
             <a:extLst>
               <a:ext uri="{FF2B5EF4-FFF2-40B4-BE49-F238E27FC236}">
-                <a16:creationId xmlns:a16="http://schemas.microsoft.com/office/drawing/2014/main" id="{39BD7DD9-04A9-4E4E-9DFC-BD91E4529E19}"/>
+                <a16:creationId xmlns:a16="http://schemas.microsoft.com/office/drawing/2014/main" id="{07FEAE4F-D66E-4BB2-ACB7-0648A0A272EF}"/>
               </a:ext>
             </a:extLst>
           </p:cNvPr>
@@ -6309,17 +6302,17 @@
           <a:p>
             <a:r>
               <a:rPr lang="en-US" dirty="0"/>
-              <a:t>3.3 Demo</a:t>
-            </a:r>
-          </a:p>
-        </p:txBody>
-      </p:sp>
-      <p:sp>
-        <p:nvSpPr>
-          <p:cNvPr id="3" name="Content Placeholder 2">
+              <a:t>3.2 Demo</a:t>
+            </a:r>
+          </a:p>
+        </p:txBody>
+      </p:sp>
+      <p:sp>
+        <p:nvSpPr>
+          <p:cNvPr id="4" name="Text Placeholder 3">
             <a:extLst>
               <a:ext uri="{FF2B5EF4-FFF2-40B4-BE49-F238E27FC236}">
-                <a16:creationId xmlns:a16="http://schemas.microsoft.com/office/drawing/2014/main" id="{71D9769F-2FBF-4D26-8809-959A7BF552BA}"/>
+                <a16:creationId xmlns:a16="http://schemas.microsoft.com/office/drawing/2014/main" id="{40B9028A-5718-4D56-BA53-19F071FFA1CF}"/>
               </a:ext>
             </a:extLst>
           </p:cNvPr>
@@ -6336,20 +6329,24 @@
           <a:lstStyle/>
           <a:p>
             <a:r>
+              <a:rPr lang="en-US" dirty="0"/>
+              <a:t>Custom </a:t>
+            </a:r>
+            <a:r>
               <a:rPr lang="en-US" dirty="0" err="1"/>
-              <a:t>MaxLines</a:t>
-            </a:r>
-            <a:r>
-              <a:rPr lang="en-US" dirty="0"/>
-              <a:t>, </a:t>
+              <a:t>Titlebar</a:t>
+            </a:r>
+            <a:r>
+              <a:rPr lang="en-US" dirty="0"/>
+              <a:t>, Editor Placeholder Color,  </a:t>
             </a:r>
             <a:r>
               <a:rPr lang="en-US" dirty="0" err="1"/>
-              <a:t>FormattedText</a:t>
-            </a:r>
-            <a:r>
-              <a:rPr lang="en-US" dirty="0"/>
-              <a:t> </a:t>
+              <a:t>OnPlatform</a:t>
+            </a:r>
+            <a:r>
+              <a:rPr lang="en-US" dirty="0"/>
+              <a:t> Extension</a:t>
             </a:r>
           </a:p>
         </p:txBody>
@@ -6357,7 +6354,7 @@
     </p:spTree>
     <p:extLst>
       <p:ext uri="{BB962C8B-B14F-4D97-AF65-F5344CB8AC3E}">
-        <p14:creationId xmlns:p14="http://schemas.microsoft.com/office/powerpoint/2010/main" val="2120222709"/>
+        <p14:creationId xmlns:p14="http://schemas.microsoft.com/office/powerpoint/2010/main" val="1296900612"/>
       </p:ext>
     </p:extLst>
   </p:cSld>
@@ -6386,10 +6383,10 @@
       </p:grpSpPr>
       <p:sp>
         <p:nvSpPr>
-          <p:cNvPr id="2" name="Title 1">
+          <p:cNvPr id="4" name="Title 3">
             <a:extLst>
               <a:ext uri="{FF2B5EF4-FFF2-40B4-BE49-F238E27FC236}">
-                <a16:creationId xmlns:a16="http://schemas.microsoft.com/office/drawing/2014/main" id="{986E619C-EF37-436F-A3A3-5E53CE2B759B}"/>
+                <a16:creationId xmlns:a16="http://schemas.microsoft.com/office/drawing/2014/main" id="{D7AA0894-4F19-407A-A650-B654FF47A7F8}"/>
               </a:ext>
             </a:extLst>
           </p:cNvPr>
@@ -6407,21 +6404,21 @@
           <a:p>
             <a:r>
               <a:rPr lang="en-US" dirty="0" err="1"/>
-              <a:t>Prism.Forms</a:t>
-            </a:r>
-            <a:r>
-              <a:rPr lang="en-US" dirty="0"/>
-              <a:t> 7.0/7.1</a:t>
-            </a:r>
-          </a:p>
-        </p:txBody>
-      </p:sp>
-      <p:sp>
-        <p:nvSpPr>
-          <p:cNvPr id="3" name="Content Placeholder 2">
+              <a:t>Xamarin.Forms</a:t>
+            </a:r>
+            <a:r>
+              <a:rPr lang="en-US" dirty="0"/>
+              <a:t> 3.3</a:t>
+            </a:r>
+          </a:p>
+        </p:txBody>
+      </p:sp>
+      <p:sp>
+        <p:nvSpPr>
+          <p:cNvPr id="5" name="Content Placeholder 4">
             <a:extLst>
               <a:ext uri="{FF2B5EF4-FFF2-40B4-BE49-F238E27FC236}">
-                <a16:creationId xmlns:a16="http://schemas.microsoft.com/office/drawing/2014/main" id="{E4D79A87-F7F9-4788-B4F5-EF1A89259DDC}"/>
+                <a16:creationId xmlns:a16="http://schemas.microsoft.com/office/drawing/2014/main" id="{0650AD1C-97D8-4527-990D-42915BADF70F}"/>
               </a:ext>
             </a:extLst>
           </p:cNvPr>
@@ -6434,110 +6431,33 @@
         </p:nvSpPr>
         <p:spPr/>
         <p:txBody>
-          <a:bodyPr/>
+          <a:bodyPr>
+            <a:normAutofit/>
+          </a:bodyPr>
           <a:lstStyle/>
           <a:p>
             <a:r>
               <a:rPr lang="en-US" dirty="0"/>
-              <a:t>Breaking Changes in Module API</a:t>
-            </a:r>
-          </a:p>
-          <a:p>
-            <a:r>
-              <a:rPr lang="en-US" dirty="0"/>
-              <a:t>Breaking Changes in Navigation</a:t>
-            </a:r>
-          </a:p>
-          <a:p>
-            <a:r>
-              <a:rPr lang="en-US" dirty="0"/>
-              <a:t>Breaking Changes in Commanding</a:t>
-            </a:r>
-          </a:p>
-          <a:p>
-            <a:pPr lvl="1"/>
+              <a:t>More F100 Features</a:t>
+            </a:r>
+          </a:p>
+          <a:p>
+            <a:r>
+              <a:rPr lang="en-US" dirty="0"/>
+              <a:t>Label </a:t>
+            </a:r>
             <a:r>
               <a:rPr lang="en-US" dirty="0" err="1"/>
-              <a:t>ObserveCanExecute</a:t>
-            </a:r>
-            <a:r>
-              <a:rPr lang="en-US" dirty="0"/>
-              <a:t>((</a:t>
-            </a:r>
+              <a:t>MaxLines</a:t>
+            </a:r>
+            <a:endParaRPr lang="en-US" dirty="0"/>
+          </a:p>
+          <a:p>
             <a:r>
               <a:rPr lang="en-US" dirty="0" err="1"/>
-              <a:t>vm</a:t>
-            </a:r>
-            <a:r>
-              <a:rPr lang="en-US" dirty="0"/>
-              <a:t>) =&gt; Prop) </a:t>
-            </a:r>
-            <a:r>
-              <a:rPr lang="en-US" dirty="0">
-                <a:sym typeface="Wingdings" panose="05000000000000000000" pitchFamily="2" charset="2"/>
-              </a:rPr>
-              <a:t> </a:t>
-            </a:r>
-            <a:r>
-              <a:rPr lang="en-US" dirty="0" err="1">
-                <a:sym typeface="Wingdings" panose="05000000000000000000" pitchFamily="2" charset="2"/>
-              </a:rPr>
-              <a:t>ObserveCanExecute</a:t>
-            </a:r>
-            <a:r>
-              <a:rPr lang="en-US" dirty="0">
-                <a:sym typeface="Wingdings" panose="05000000000000000000" pitchFamily="2" charset="2"/>
-              </a:rPr>
-              <a:t>(() =&gt; Prop)</a:t>
+              <a:t>FormattedText</a:t>
             </a:r>
             <a:endParaRPr lang="en-US" dirty="0"/>
-          </a:p>
-          <a:p>
-            <a:r>
-              <a:rPr lang="en-US" dirty="0"/>
-              <a:t>Breaking Changes in </a:t>
-            </a:r>
-            <a:r>
-              <a:rPr lang="en-US" dirty="0" err="1"/>
-              <a:t>Bootstraper</a:t>
-            </a:r>
-            <a:r>
-              <a:rPr lang="en-US" dirty="0"/>
-              <a:t>/</a:t>
-            </a:r>
-            <a:r>
-              <a:rPr lang="en-US" dirty="0" err="1"/>
-              <a:t>PrismApplication</a:t>
-            </a:r>
-            <a:endParaRPr lang="en-US" dirty="0"/>
-          </a:p>
-          <a:p>
-            <a:r>
-              <a:rPr lang="en-US" dirty="0"/>
-              <a:t>Breaking Change: Deprecated </a:t>
-            </a:r>
-            <a:r>
-              <a:rPr lang="en-US" dirty="0" err="1"/>
-              <a:t>Autofac</a:t>
-            </a:r>
-            <a:r>
-              <a:rPr lang="en-US" dirty="0"/>
-              <a:t> &amp; MEF</a:t>
-            </a:r>
-          </a:p>
-          <a:p>
-            <a:r>
-              <a:rPr lang="en-US" dirty="0"/>
-              <a:t>Breaking Change: New Unity Version (</a:t>
-            </a:r>
-            <a:r>
-              <a:rPr lang="en-US" dirty="0" err="1"/>
-              <a:t>Netstandard</a:t>
-            </a:r>
-            <a:r>
-              <a:rPr lang="en-US" dirty="0"/>
-              <a:t>)</a:t>
-            </a:r>
           </a:p>
           <a:p>
             <a:endParaRPr lang="en-US" dirty="0"/>
@@ -6547,7 +6467,7 @@
     </p:spTree>
     <p:extLst>
       <p:ext uri="{BB962C8B-B14F-4D97-AF65-F5344CB8AC3E}">
-        <p14:creationId xmlns:p14="http://schemas.microsoft.com/office/powerpoint/2010/main" val="1249922911"/>
+        <p14:creationId xmlns:p14="http://schemas.microsoft.com/office/powerpoint/2010/main" val="600735717"/>
       </p:ext>
     </p:extLst>
   </p:cSld>
@@ -6579,7 +6499,7 @@
           <p:cNvPr id="2" name="Title 1">
             <a:extLst>
               <a:ext uri="{FF2B5EF4-FFF2-40B4-BE49-F238E27FC236}">
-                <a16:creationId xmlns:a16="http://schemas.microsoft.com/office/drawing/2014/main" id="{986E619C-EF37-436F-A3A3-5E53CE2B759B}"/>
+                <a16:creationId xmlns:a16="http://schemas.microsoft.com/office/drawing/2014/main" id="{39BD7DD9-04A9-4E4E-9DFC-BD91E4529E19}"/>
               </a:ext>
             </a:extLst>
           </p:cNvPr>
@@ -6596,19 +6516,8 @@
           <a:lstStyle/>
           <a:p>
             <a:r>
-              <a:rPr lang="en-US" dirty="0" err="1"/>
-              <a:t>Prism.Forms</a:t>
-            </a:r>
-            <a:r>
-              <a:rPr lang="en-US" dirty="0"/>
-              <a:t> 7.0/7.1</a:t>
-            </a:r>
-            <a:br>
-              <a:rPr lang="en-US" dirty="0"/>
-            </a:br>
-            <a:r>
-              <a:rPr lang="en-US" dirty="0"/>
-              <a:t>Module API</a:t>
+              <a:rPr lang="en-US" dirty="0"/>
+              <a:t>3.3 Demo</a:t>
             </a:r>
           </a:p>
         </p:txBody>
@@ -6618,7 +6527,7 @@
           <p:cNvPr id="3" name="Content Placeholder 2">
             <a:extLst>
               <a:ext uri="{FF2B5EF4-FFF2-40B4-BE49-F238E27FC236}">
-                <a16:creationId xmlns:a16="http://schemas.microsoft.com/office/drawing/2014/main" id="{E4D79A87-F7F9-4788-B4F5-EF1A89259DDC}"/>
+                <a16:creationId xmlns:a16="http://schemas.microsoft.com/office/drawing/2014/main" id="{71D9769F-2FBF-4D26-8809-959A7BF552BA}"/>
               </a:ext>
             </a:extLst>
           </p:cNvPr>
@@ -6626,7 +6535,7 @@
             <a:spLocks noGrp="1"/>
           </p:cNvSpPr>
           <p:nvPr>
-            <p:ph idx="1"/>
+            <p:ph type="body" idx="1"/>
           </p:nvPr>
         </p:nvSpPr>
         <p:spPr/>
@@ -6635,32 +6544,28 @@
           <a:lstStyle/>
           <a:p>
             <a:r>
-              <a:rPr lang="en-US" dirty="0"/>
-              <a:t>Way too many Changes for Presentation</a:t>
-            </a:r>
-          </a:p>
-          <a:p>
-            <a:r>
-              <a:rPr lang="en-US" dirty="0"/>
-              <a:t>Check release notes: </a:t>
-            </a:r>
-            <a:r>
-              <a:rPr lang="en-US" dirty="0">
-                <a:hlinkClick r:id="rId2"/>
-              </a:rPr>
-              <a:t>https://github.com/PrismLibrary/Prism/releases</a:t>
-            </a:r>
-            <a:endParaRPr lang="en-US" dirty="0"/>
-          </a:p>
-          <a:p>
-            <a:endParaRPr lang="en-US" dirty="0"/>
+              <a:rPr lang="en-US" dirty="0" err="1"/>
+              <a:t>MaxLines</a:t>
+            </a:r>
+            <a:r>
+              <a:rPr lang="en-US" dirty="0"/>
+              <a:t>, </a:t>
+            </a:r>
+            <a:r>
+              <a:rPr lang="en-US" dirty="0" err="1"/>
+              <a:t>FormattedText</a:t>
+            </a:r>
+            <a:r>
+              <a:rPr lang="en-US" dirty="0"/>
+              <a:t> </a:t>
+            </a:r>
           </a:p>
         </p:txBody>
       </p:sp>
     </p:spTree>
     <p:extLst>
       <p:ext uri="{BB962C8B-B14F-4D97-AF65-F5344CB8AC3E}">
-        <p14:creationId xmlns:p14="http://schemas.microsoft.com/office/powerpoint/2010/main" val="308149736"/>
+        <p14:creationId xmlns:p14="http://schemas.microsoft.com/office/powerpoint/2010/main" val="2120222709"/>
       </p:ext>
     </p:extLst>
   </p:cSld>
@@ -6716,13 +6621,6 @@
               <a:rPr lang="en-US" dirty="0"/>
               <a:t> 7.0/7.1</a:t>
             </a:r>
-            <a:br>
-              <a:rPr lang="en-US" dirty="0"/>
-            </a:br>
-            <a:r>
-              <a:rPr lang="en-US" dirty="0"/>
-              <a:t>Navigation</a:t>
-            </a:r>
           </a:p>
         </p:txBody>
       </p:sp>
@@ -6744,193 +6642,110 @@
         </p:nvSpPr>
         <p:spPr/>
         <p:txBody>
-          <a:bodyPr>
-            <a:normAutofit/>
-          </a:bodyPr>
+          <a:bodyPr/>
           <a:lstStyle/>
           <a:p>
             <a:r>
               <a:rPr lang="en-US" dirty="0"/>
-              <a:t>Breaking Change: Added </a:t>
-            </a:r>
+              <a:t>Breaking Changes in Module API</a:t>
+            </a:r>
+          </a:p>
+          <a:p>
+            <a:r>
+              <a:rPr lang="en-US" dirty="0"/>
+              <a:t>Breaking Changes in Navigation</a:t>
+            </a:r>
+          </a:p>
+          <a:p>
+            <a:r>
+              <a:rPr lang="en-US" dirty="0"/>
+              <a:t>Breaking Changes in Commanding</a:t>
+            </a:r>
+          </a:p>
+          <a:p>
+            <a:pPr lvl="1"/>
             <a:r>
               <a:rPr lang="en-US" dirty="0" err="1"/>
-              <a:t>INavigationParameter</a:t>
-            </a:r>
-            <a:r>
-              <a:rPr lang="en-US" dirty="0"/>
-              <a:t> interface</a:t>
-            </a:r>
-          </a:p>
-          <a:p>
-            <a:r>
-              <a:rPr lang="en-US" dirty="0"/>
-              <a:t>Breaking Change: </a:t>
+              <a:t>ObserveCanExecute</a:t>
+            </a:r>
+            <a:r>
+              <a:rPr lang="en-US" dirty="0"/>
+              <a:t>((</a:t>
             </a:r>
             <a:r>
               <a:rPr lang="en-US" dirty="0" err="1"/>
-              <a:t>TabbedPage</a:t>
-            </a:r>
-            <a:r>
-              <a:rPr lang="en-US" dirty="0"/>
-              <a:t> Navigation changed fully</a:t>
-            </a:r>
-          </a:p>
-          <a:p>
-            <a:pPr lvl="1"/>
-            <a:r>
-              <a:rPr lang="en-US" dirty="0"/>
-              <a:t>/</a:t>
-            </a:r>
-            <a:r>
-              <a:rPr lang="en-US" dirty="0" err="1"/>
-              <a:t>TabbedPage?selectedTab</a:t>
-            </a:r>
-            <a:r>
-              <a:rPr lang="en-US" dirty="0"/>
-              <a:t>=</a:t>
-            </a:r>
-            <a:r>
-              <a:rPr lang="en-US" dirty="0" err="1"/>
-              <a:t>TabA</a:t>
-            </a:r>
-            <a:r>
-              <a:rPr lang="en-US" dirty="0"/>
-              <a:t>/</a:t>
-            </a:r>
-            <a:r>
-              <a:rPr lang="en-US" dirty="0" err="1"/>
-              <a:t>ViewB</a:t>
-            </a:r>
-            <a:r>
-              <a:rPr lang="en-US" dirty="0"/>
-              <a:t>/</a:t>
-            </a:r>
-            <a:r>
-              <a:rPr lang="en-US" dirty="0" err="1"/>
-              <a:t>ViewC</a:t>
-            </a:r>
-            <a:endParaRPr lang="en-US" dirty="0"/>
-          </a:p>
-          <a:p>
-            <a:pPr lvl="1"/>
-            <a:r>
-              <a:rPr lang="en-US" dirty="0"/>
-              <a:t>/</a:t>
-            </a:r>
-            <a:r>
-              <a:rPr lang="en-US" dirty="0" err="1"/>
-              <a:t>TabbedPage?createTab</a:t>
-            </a:r>
-            <a:r>
-              <a:rPr lang="en-US" dirty="0"/>
-              <a:t>=</a:t>
-            </a:r>
-            <a:r>
-              <a:rPr lang="en-US" dirty="0" err="1"/>
-              <a:t>NavigationPage|ViewA</a:t>
-            </a:r>
-            <a:endParaRPr lang="en-US" dirty="0"/>
-          </a:p>
-          <a:p>
-            <a:r>
-              <a:rPr lang="en-US" dirty="0"/>
-              <a:t>Breaking Change: Navigation API</a:t>
-            </a:r>
-          </a:p>
-          <a:p>
-            <a:pPr lvl="1"/>
-            <a:r>
-              <a:rPr lang="en-US" dirty="0"/>
-              <a:t>Task </a:t>
-            </a:r>
-            <a:r>
-              <a:rPr lang="en-US" dirty="0" err="1"/>
-              <a:t>NavigateAsync</a:t>
-            </a:r>
-            <a:r>
-              <a:rPr lang="en-US" dirty="0"/>
-              <a:t>() </a:t>
+              <a:t>vm</a:t>
+            </a:r>
+            <a:r>
+              <a:rPr lang="en-US" dirty="0"/>
+              <a:t>) =&gt; Prop) </a:t>
             </a:r>
             <a:r>
               <a:rPr lang="en-US" dirty="0">
                 <a:sym typeface="Wingdings" panose="05000000000000000000" pitchFamily="2" charset="2"/>
               </a:rPr>
-              <a:t> Task&lt;</a:t>
+              <a:t> </a:t>
             </a:r>
             <a:r>
               <a:rPr lang="en-US" dirty="0" err="1">
                 <a:sym typeface="Wingdings" panose="05000000000000000000" pitchFamily="2" charset="2"/>
               </a:rPr>
-              <a:t>INavigationResult</a:t>
+              <a:t>ObserveCanExecute</a:t>
             </a:r>
             <a:r>
               <a:rPr lang="en-US" dirty="0">
                 <a:sym typeface="Wingdings" panose="05000000000000000000" pitchFamily="2" charset="2"/>
               </a:rPr>
-              <a:t>&gt; </a:t>
-            </a:r>
-            <a:r>
-              <a:rPr lang="en-US" dirty="0" err="1">
-                <a:sym typeface="Wingdings" panose="05000000000000000000" pitchFamily="2" charset="2"/>
-              </a:rPr>
-              <a:t>NavigateAsync</a:t>
-            </a:r>
-            <a:r>
-              <a:rPr lang="en-US" dirty="0">
-                <a:sym typeface="Wingdings" panose="05000000000000000000" pitchFamily="2" charset="2"/>
-              </a:rPr>
-              <a:t>()</a:t>
-            </a:r>
-          </a:p>
-          <a:p>
-            <a:pPr lvl="1"/>
-            <a:r>
-              <a:rPr lang="en-US" dirty="0"/>
-              <a:t>Task </a:t>
+              <a:t>(() =&gt; Prop)</a:t>
+            </a:r>
+            <a:endParaRPr lang="en-US" dirty="0"/>
+          </a:p>
+          <a:p>
+            <a:r>
+              <a:rPr lang="en-US" dirty="0"/>
+              <a:t>Breaking Changes in </a:t>
             </a:r>
             <a:r>
               <a:rPr lang="en-US" dirty="0" err="1"/>
-              <a:t>GoBack</a:t>
-            </a:r>
-            <a:r>
-              <a:rPr lang="en-US" dirty="0"/>
-              <a:t>() </a:t>
-            </a:r>
-            <a:r>
-              <a:rPr lang="en-US" dirty="0">
-                <a:sym typeface="Wingdings" panose="05000000000000000000" pitchFamily="2" charset="2"/>
-              </a:rPr>
-              <a:t> Task&lt;</a:t>
-            </a:r>
-            <a:r>
-              <a:rPr lang="en-US" dirty="0" err="1">
-                <a:sym typeface="Wingdings" panose="05000000000000000000" pitchFamily="2" charset="2"/>
-              </a:rPr>
-              <a:t>INavigationResult</a:t>
-            </a:r>
-            <a:r>
-              <a:rPr lang="en-US" dirty="0">
-                <a:sym typeface="Wingdings" panose="05000000000000000000" pitchFamily="2" charset="2"/>
-              </a:rPr>
-              <a:t>&gt; </a:t>
-            </a:r>
-            <a:r>
-              <a:rPr lang="en-US" dirty="0" err="1">
-                <a:sym typeface="Wingdings" panose="05000000000000000000" pitchFamily="2" charset="2"/>
-              </a:rPr>
-              <a:t>GoBack</a:t>
-            </a:r>
-            <a:r>
-              <a:rPr lang="en-US" dirty="0">
-                <a:sym typeface="Wingdings" panose="05000000000000000000" pitchFamily="2" charset="2"/>
-              </a:rPr>
-              <a:t>()</a:t>
-            </a:r>
-          </a:p>
-          <a:p>
-            <a:pPr lvl="1"/>
+              <a:t>Bootstraper</a:t>
+            </a:r>
+            <a:r>
+              <a:rPr lang="en-US" dirty="0"/>
+              <a:t>/</a:t>
+            </a:r>
+            <a:r>
+              <a:rPr lang="en-US" dirty="0" err="1"/>
+              <a:t>PrismApplication</a:t>
+            </a:r>
             <a:endParaRPr lang="en-US" dirty="0"/>
+          </a:p>
+          <a:p>
+            <a:r>
+              <a:rPr lang="en-US" dirty="0"/>
+              <a:t>Breaking Change: Deprecated </a:t>
+            </a:r>
+            <a:r>
+              <a:rPr lang="en-US" dirty="0" err="1"/>
+              <a:t>Autofac</a:t>
+            </a:r>
+            <a:r>
+              <a:rPr lang="en-US" dirty="0"/>
+              <a:t> &amp; MEF</a:t>
+            </a:r>
+          </a:p>
+          <a:p>
+            <a:r>
+              <a:rPr lang="en-US" dirty="0"/>
+              <a:t>Breaking Change: New Unity Version (</a:t>
+            </a:r>
+            <a:r>
+              <a:rPr lang="en-US" dirty="0" err="1"/>
+              <a:t>Netstandard</a:t>
+            </a:r>
+            <a:r>
+              <a:rPr lang="en-US" dirty="0"/>
+              <a:t>)</a:t>
+            </a:r>
           </a:p>
           <a:p>
             <a:endParaRPr lang="en-US" dirty="0"/>
@@ -6940,7 +6755,7 @@
     </p:spTree>
     <p:extLst>
       <p:ext uri="{BB962C8B-B14F-4D97-AF65-F5344CB8AC3E}">
-        <p14:creationId xmlns:p14="http://schemas.microsoft.com/office/powerpoint/2010/main" val="1847633751"/>
+        <p14:creationId xmlns:p14="http://schemas.microsoft.com/office/powerpoint/2010/main" val="1249922911"/>
       </p:ext>
     </p:extLst>
   </p:cSld>
@@ -7000,18 +6815,9 @@
               <a:rPr lang="en-US" dirty="0"/>
             </a:br>
             <a:r>
-              <a:rPr lang="en-US" dirty="0" err="1"/>
-              <a:t>BootStrap</a:t>
-            </a:r>
-            <a:r>
-              <a:rPr lang="en-US" dirty="0"/>
-              <a:t> / </a:t>
-            </a:r>
-            <a:r>
-              <a:rPr lang="en-US" dirty="0" err="1"/>
-              <a:t>PrismApplication</a:t>
-            </a:r>
-            <a:endParaRPr lang="en-US" dirty="0"/>
+              <a:rPr lang="en-US" dirty="0"/>
+              <a:t>Module API</a:t>
+            </a:r>
           </a:p>
         </p:txBody>
       </p:sp>
@@ -7033,202 +6839,28 @@
         </p:nvSpPr>
         <p:spPr/>
         <p:txBody>
-          <a:bodyPr>
-            <a:normAutofit/>
-          </a:bodyPr>
+          <a:bodyPr/>
           <a:lstStyle/>
           <a:p>
             <a:r>
-              <a:rPr lang="en-US" dirty="0" err="1"/>
-              <a:t>RegisterTypes</a:t>
-            </a:r>
-            <a:r>
-              <a:rPr lang="en-US" dirty="0"/>
-              <a:t>() </a:t>
+              <a:rPr lang="en-US" dirty="0"/>
+              <a:t>Way too many Changes for Presentation</a:t>
+            </a:r>
+          </a:p>
+          <a:p>
+            <a:r>
+              <a:rPr lang="en-US" dirty="0"/>
+              <a:t>Check release notes: </a:t>
             </a:r>
             <a:r>
               <a:rPr lang="en-US" dirty="0">
-                <a:sym typeface="Wingdings" panose="05000000000000000000" pitchFamily="2" charset="2"/>
+                <a:hlinkClick r:id="rId2"/>
               </a:rPr>
-              <a:t> </a:t>
-            </a:r>
-            <a:r>
-              <a:rPr lang="en-US" dirty="0" err="1">
-                <a:sym typeface="Wingdings" panose="05000000000000000000" pitchFamily="2" charset="2"/>
-              </a:rPr>
-              <a:t>RegisterTypes</a:t>
-            </a:r>
-            <a:r>
-              <a:rPr lang="en-US" dirty="0">
-                <a:sym typeface="Wingdings" panose="05000000000000000000" pitchFamily="2" charset="2"/>
-              </a:rPr>
-              <a:t>(</a:t>
-            </a:r>
-            <a:r>
-              <a:rPr lang="en-US" dirty="0" err="1">
-                <a:sym typeface="Wingdings" panose="05000000000000000000" pitchFamily="2" charset="2"/>
-              </a:rPr>
-              <a:t>IContainerRegistry</a:t>
-            </a:r>
-            <a:r>
-              <a:rPr lang="en-US" dirty="0">
-                <a:sym typeface="Wingdings" panose="05000000000000000000" pitchFamily="2" charset="2"/>
-              </a:rPr>
-              <a:t> </a:t>
-            </a:r>
-            <a:r>
-              <a:rPr lang="en-US" dirty="0" err="1">
-                <a:sym typeface="Wingdings" panose="05000000000000000000" pitchFamily="2" charset="2"/>
-              </a:rPr>
-              <a:t>cr</a:t>
-            </a:r>
-            <a:r>
-              <a:rPr lang="en-US" dirty="0">
-                <a:sym typeface="Wingdings" panose="05000000000000000000" pitchFamily="2" charset="2"/>
-              </a:rPr>
-              <a:t>)</a:t>
-            </a:r>
-          </a:p>
-          <a:p>
-            <a:r>
-              <a:rPr lang="en-US" strike="sngStrike" dirty="0" err="1">
-                <a:sym typeface="Wingdings" panose="05000000000000000000" pitchFamily="2" charset="2"/>
-              </a:rPr>
-              <a:t>CreateContainer</a:t>
-            </a:r>
-            <a:r>
-              <a:rPr lang="en-US" strike="sngStrike" dirty="0">
-                <a:sym typeface="Wingdings" panose="05000000000000000000" pitchFamily="2" charset="2"/>
-              </a:rPr>
-              <a:t>()</a:t>
-            </a:r>
-          </a:p>
-          <a:p>
-            <a:r>
-              <a:rPr lang="en-US" strike="sngStrike" dirty="0" err="1">
-                <a:sym typeface="Wingdings" panose="05000000000000000000" pitchFamily="2" charset="2"/>
-              </a:rPr>
-              <a:t>CreateNavigationService</a:t>
-            </a:r>
-            <a:r>
-              <a:rPr lang="en-US" strike="sngStrike" dirty="0">
-                <a:sym typeface="Wingdings" panose="05000000000000000000" pitchFamily="2" charset="2"/>
-              </a:rPr>
-              <a:t>()</a:t>
-            </a:r>
-          </a:p>
-          <a:p>
-            <a:r>
-              <a:rPr lang="en-US" strike="sngStrike" dirty="0" err="1">
-                <a:sym typeface="Wingdings" panose="05000000000000000000" pitchFamily="2" charset="2"/>
-              </a:rPr>
-              <a:t>CreateLogger</a:t>
-            </a:r>
-            <a:r>
-              <a:rPr lang="en-US" strike="sngStrike" dirty="0">
-                <a:sym typeface="Wingdings" panose="05000000000000000000" pitchFamily="2" charset="2"/>
-              </a:rPr>
-              <a:t>()</a:t>
-            </a:r>
-          </a:p>
-          <a:p>
-            <a:r>
-              <a:rPr lang="en-US" dirty="0">
-                <a:sym typeface="Wingdings" panose="05000000000000000000" pitchFamily="2" charset="2"/>
-              </a:rPr>
-              <a:t>Container == </a:t>
-            </a:r>
-            <a:r>
-              <a:rPr lang="en-US" dirty="0" err="1">
-                <a:sym typeface="Wingdings" panose="05000000000000000000" pitchFamily="2" charset="2"/>
-              </a:rPr>
-              <a:t>IContainerProvider</a:t>
-            </a:r>
-            <a:endParaRPr lang="en-US" dirty="0">
-              <a:sym typeface="Wingdings" panose="05000000000000000000" pitchFamily="2" charset="2"/>
-            </a:endParaRPr>
-          </a:p>
-          <a:p>
-            <a:r>
-              <a:rPr lang="en-US" dirty="0">
-                <a:sym typeface="Wingdings" panose="05000000000000000000" pitchFamily="2" charset="2"/>
-              </a:rPr>
-              <a:t>Ren: </a:t>
-            </a:r>
-            <a:r>
-              <a:rPr lang="en-US" dirty="0" err="1">
-                <a:sym typeface="Wingdings" panose="05000000000000000000" pitchFamily="2" charset="2"/>
-              </a:rPr>
-              <a:t>ConfigureContainer</a:t>
-            </a:r>
-            <a:r>
-              <a:rPr lang="en-US" dirty="0">
-                <a:sym typeface="Wingdings" panose="05000000000000000000" pitchFamily="2" charset="2"/>
-              </a:rPr>
-              <a:t>  </a:t>
-            </a:r>
-            <a:r>
-              <a:rPr lang="en-US" dirty="0" err="1">
-                <a:sym typeface="Wingdings" panose="05000000000000000000" pitchFamily="2" charset="2"/>
-              </a:rPr>
-              <a:t>RegisterRequiredTypes</a:t>
-            </a:r>
-            <a:r>
-              <a:rPr lang="en-US" dirty="0">
-                <a:sym typeface="Wingdings" panose="05000000000000000000" pitchFamily="2" charset="2"/>
-              </a:rPr>
-              <a:t>(</a:t>
-            </a:r>
-            <a:r>
-              <a:rPr lang="en-US" dirty="0" err="1">
-                <a:sym typeface="Wingdings" panose="05000000000000000000" pitchFamily="2" charset="2"/>
-              </a:rPr>
-              <a:t>IContainerRegistry</a:t>
-            </a:r>
-            <a:r>
-              <a:rPr lang="en-US" dirty="0">
-                <a:sym typeface="Wingdings" panose="05000000000000000000" pitchFamily="2" charset="2"/>
-              </a:rPr>
-              <a:t> </a:t>
-            </a:r>
-            <a:r>
-              <a:rPr lang="en-US" dirty="0" err="1">
-                <a:sym typeface="Wingdings" panose="05000000000000000000" pitchFamily="2" charset="2"/>
-              </a:rPr>
-              <a:t>cr</a:t>
-            </a:r>
-            <a:r>
-              <a:rPr lang="en-US" dirty="0">
-                <a:sym typeface="Wingdings" panose="05000000000000000000" pitchFamily="2" charset="2"/>
-              </a:rPr>
-              <a:t>)</a:t>
-            </a:r>
-          </a:p>
-          <a:p>
-            <a:r>
-              <a:rPr lang="en-US" dirty="0">
-                <a:sym typeface="Wingdings" panose="05000000000000000000" pitchFamily="2" charset="2"/>
-              </a:rPr>
-              <a:t>Ren: </a:t>
-            </a:r>
-            <a:r>
-              <a:rPr lang="en-US" dirty="0" err="1">
-                <a:sym typeface="Wingdings" panose="05000000000000000000" pitchFamily="2" charset="2"/>
-              </a:rPr>
-              <a:t>RegisterTypeForNavigation</a:t>
-            </a:r>
-            <a:r>
-              <a:rPr lang="en-US" dirty="0">
-                <a:sym typeface="Wingdings" panose="05000000000000000000" pitchFamily="2" charset="2"/>
-              </a:rPr>
-              <a:t>  </a:t>
-            </a:r>
-            <a:r>
-              <a:rPr lang="en-US" dirty="0" err="1">
-                <a:sym typeface="Wingdings" panose="05000000000000000000" pitchFamily="2" charset="2"/>
-              </a:rPr>
-              <a:t>RegisterForNavigation</a:t>
-            </a:r>
+              <a:t>https://github.com/PrismLibrary/Prism/releases</a:t>
+            </a:r>
+            <a:endParaRPr lang="en-US" dirty="0"/>
+          </a:p>
+          <a:p>
             <a:endParaRPr lang="en-US" dirty="0"/>
           </a:p>
         </p:txBody>
@@ -7236,7 +6868,7 @@
     </p:spTree>
     <p:extLst>
       <p:ext uri="{BB962C8B-B14F-4D97-AF65-F5344CB8AC3E}">
-        <p14:creationId xmlns:p14="http://schemas.microsoft.com/office/powerpoint/2010/main" val="2190065577"/>
+        <p14:creationId xmlns:p14="http://schemas.microsoft.com/office/powerpoint/2010/main" val="308149736"/>
       </p:ext>
     </p:extLst>
   </p:cSld>
@@ -7268,7 +6900,7 @@
           <p:cNvPr id="2" name="Title 1">
             <a:extLst>
               <a:ext uri="{FF2B5EF4-FFF2-40B4-BE49-F238E27FC236}">
-                <a16:creationId xmlns:a16="http://schemas.microsoft.com/office/drawing/2014/main" id="{68D931F9-F141-44F7-84A1-299FE7804C75}"/>
+                <a16:creationId xmlns:a16="http://schemas.microsoft.com/office/drawing/2014/main" id="{986E619C-EF37-436F-A3A3-5E53CE2B759B}"/>
               </a:ext>
             </a:extLst>
           </p:cNvPr>
@@ -7285,8 +6917,19 @@
           <a:lstStyle/>
           <a:p>
             <a:r>
-              <a:rPr lang="en-US" dirty="0"/>
-              <a:t>PRISM 7.0/7.1</a:t>
+              <a:rPr lang="en-US" dirty="0" err="1"/>
+              <a:t>Prism.Forms</a:t>
+            </a:r>
+            <a:r>
+              <a:rPr lang="en-US" dirty="0"/>
+              <a:t> 7.0/7.1</a:t>
+            </a:r>
+            <a:br>
+              <a:rPr lang="en-US" dirty="0"/>
+            </a:br>
+            <a:r>
+              <a:rPr lang="en-US" dirty="0"/>
+              <a:t>Navigation</a:t>
             </a:r>
           </a:p>
         </p:txBody>
@@ -7296,7 +6939,7 @@
           <p:cNvPr id="3" name="Content Placeholder 2">
             <a:extLst>
               <a:ext uri="{FF2B5EF4-FFF2-40B4-BE49-F238E27FC236}">
-                <a16:creationId xmlns:a16="http://schemas.microsoft.com/office/drawing/2014/main" id="{0D4B9393-A23E-4991-88BB-7FA5DC5756F1}"/>
+                <a16:creationId xmlns:a16="http://schemas.microsoft.com/office/drawing/2014/main" id="{E4D79A87-F7F9-4788-B4F5-EF1A89259DDC}"/>
               </a:ext>
             </a:extLst>
           </p:cNvPr>
@@ -7309,39 +6952,203 @@
         </p:nvSpPr>
         <p:spPr/>
         <p:txBody>
-          <a:bodyPr/>
+          <a:bodyPr>
+            <a:normAutofit/>
+          </a:bodyPr>
           <a:lstStyle/>
           <a:p>
             <a:r>
               <a:rPr lang="en-US" dirty="0"/>
-              <a:t>Better Navigation</a:t>
-            </a:r>
-          </a:p>
-          <a:p>
-            <a:r>
-              <a:rPr lang="en-US" dirty="0"/>
-              <a:t>Partial Views</a:t>
-            </a:r>
-          </a:p>
-          <a:p>
+              <a:t>Breaking Change: Added </a:t>
+            </a:r>
             <a:r>
               <a:rPr lang="en-US" dirty="0" err="1"/>
-              <a:t>ContentProdiver</a:t>
+              <a:t>INavigationParameter</a:t>
+            </a:r>
+            <a:r>
+              <a:rPr lang="en-US" dirty="0"/>
+              <a:t> interface</a:t>
+            </a:r>
+          </a:p>
+          <a:p>
+            <a:r>
+              <a:rPr lang="en-US" dirty="0"/>
+              <a:t>Breaking Change: </a:t>
+            </a:r>
+            <a:r>
+              <a:rPr lang="en-US" dirty="0" err="1"/>
+              <a:t>TabbedPage</a:t>
+            </a:r>
+            <a:r>
+              <a:rPr lang="en-US" dirty="0"/>
+              <a:t> Navigation changed fully</a:t>
+            </a:r>
+          </a:p>
+          <a:p>
+            <a:pPr lvl="1"/>
+            <a:r>
+              <a:rPr lang="en-US" dirty="0"/>
+              <a:t>/</a:t>
+            </a:r>
+            <a:r>
+              <a:rPr lang="en-US" dirty="0" err="1"/>
+              <a:t>TabbedPage?selectedTab</a:t>
+            </a:r>
+            <a:r>
+              <a:rPr lang="en-US" dirty="0"/>
+              <a:t>=</a:t>
+            </a:r>
+            <a:r>
+              <a:rPr lang="en-US" dirty="0" err="1"/>
+              <a:t>TabA</a:t>
+            </a:r>
+            <a:r>
+              <a:rPr lang="en-US" dirty="0"/>
+              <a:t>/</a:t>
+            </a:r>
+            <a:r>
+              <a:rPr lang="en-US" dirty="0" err="1"/>
+              <a:t>ViewB</a:t>
+            </a:r>
+            <a:r>
+              <a:rPr lang="en-US" dirty="0"/>
+              <a:t>/</a:t>
+            </a:r>
+            <a:r>
+              <a:rPr lang="en-US" dirty="0" err="1"/>
+              <a:t>ViewC</a:t>
             </a:r>
             <a:endParaRPr lang="en-US" dirty="0"/>
           </a:p>
           <a:p>
-            <a:r>
-              <a:rPr lang="en-US" dirty="0"/>
-              <a:t>XAML Navigation</a:t>
-            </a:r>
+            <a:pPr lvl="1"/>
+            <a:r>
+              <a:rPr lang="en-US" dirty="0"/>
+              <a:t>/</a:t>
+            </a:r>
+            <a:r>
+              <a:rPr lang="en-US" dirty="0" err="1"/>
+              <a:t>TabbedPage?createTab</a:t>
+            </a:r>
+            <a:r>
+              <a:rPr lang="en-US" dirty="0"/>
+              <a:t>=</a:t>
+            </a:r>
+            <a:r>
+              <a:rPr lang="en-US" dirty="0" err="1"/>
+              <a:t>NavigationPage|ViewA</a:t>
+            </a:r>
+            <a:endParaRPr lang="en-US" dirty="0"/>
+          </a:p>
+          <a:p>
+            <a:r>
+              <a:rPr lang="en-US" dirty="0"/>
+              <a:t>Breaking Change: Navigation API</a:t>
+            </a:r>
+          </a:p>
+          <a:p>
+            <a:pPr lvl="1"/>
+            <a:r>
+              <a:rPr lang="en-US" dirty="0"/>
+              <a:t>Task </a:t>
+            </a:r>
+            <a:r>
+              <a:rPr lang="en-US" dirty="0" err="1"/>
+              <a:t>NavigateAsync</a:t>
+            </a:r>
+            <a:r>
+              <a:rPr lang="en-US" dirty="0"/>
+              <a:t>() </a:t>
+            </a:r>
+            <a:r>
+              <a:rPr lang="en-US" dirty="0">
+                <a:sym typeface="Wingdings" panose="05000000000000000000" pitchFamily="2" charset="2"/>
+              </a:rPr>
+              <a:t> Task&lt;</a:t>
+            </a:r>
+            <a:r>
+              <a:rPr lang="en-US" dirty="0" err="1">
+                <a:sym typeface="Wingdings" panose="05000000000000000000" pitchFamily="2" charset="2"/>
+              </a:rPr>
+              <a:t>INavigationResult</a:t>
+            </a:r>
+            <a:r>
+              <a:rPr lang="en-US" dirty="0">
+                <a:sym typeface="Wingdings" panose="05000000000000000000" pitchFamily="2" charset="2"/>
+              </a:rPr>
+              <a:t>&gt; </a:t>
+            </a:r>
+            <a:r>
+              <a:rPr lang="en-US" dirty="0" err="1">
+                <a:sym typeface="Wingdings" panose="05000000000000000000" pitchFamily="2" charset="2"/>
+              </a:rPr>
+              <a:t>NavigateAsync</a:t>
+            </a:r>
+            <a:r>
+              <a:rPr lang="en-US" dirty="0">
+                <a:sym typeface="Wingdings" panose="05000000000000000000" pitchFamily="2" charset="2"/>
+              </a:rPr>
+              <a:t>()</a:t>
+            </a:r>
+          </a:p>
+          <a:p>
+            <a:pPr lvl="1"/>
+            <a:r>
+              <a:rPr lang="en-US" dirty="0"/>
+              <a:t>Task </a:t>
+            </a:r>
+            <a:r>
+              <a:rPr lang="en-US" dirty="0" err="1"/>
+              <a:t>GoBack</a:t>
+            </a:r>
+            <a:r>
+              <a:rPr lang="en-US" dirty="0"/>
+              <a:t>() </a:t>
+            </a:r>
+            <a:r>
+              <a:rPr lang="en-US" dirty="0">
+                <a:sym typeface="Wingdings" panose="05000000000000000000" pitchFamily="2" charset="2"/>
+              </a:rPr>
+              <a:t> Task&lt;</a:t>
+            </a:r>
+            <a:r>
+              <a:rPr lang="en-US" dirty="0" err="1">
+                <a:sym typeface="Wingdings" panose="05000000000000000000" pitchFamily="2" charset="2"/>
+              </a:rPr>
+              <a:t>INavigationResult</a:t>
+            </a:r>
+            <a:r>
+              <a:rPr lang="en-US" dirty="0">
+                <a:sym typeface="Wingdings" panose="05000000000000000000" pitchFamily="2" charset="2"/>
+              </a:rPr>
+              <a:t>&gt; </a:t>
+            </a:r>
+            <a:r>
+              <a:rPr lang="en-US" dirty="0" err="1">
+                <a:sym typeface="Wingdings" panose="05000000000000000000" pitchFamily="2" charset="2"/>
+              </a:rPr>
+              <a:t>GoBack</a:t>
+            </a:r>
+            <a:r>
+              <a:rPr lang="en-US" dirty="0">
+                <a:sym typeface="Wingdings" panose="05000000000000000000" pitchFamily="2" charset="2"/>
+              </a:rPr>
+              <a:t>()</a:t>
+            </a:r>
+          </a:p>
+          <a:p>
+            <a:pPr lvl="1"/>
+            <a:endParaRPr lang="en-US" dirty="0"/>
+          </a:p>
+          <a:p>
+            <a:endParaRPr lang="en-US" dirty="0"/>
           </a:p>
         </p:txBody>
       </p:sp>
     </p:spTree>
     <p:extLst>
       <p:ext uri="{BB962C8B-B14F-4D97-AF65-F5344CB8AC3E}">
-        <p14:creationId xmlns:p14="http://schemas.microsoft.com/office/powerpoint/2010/main" val="3667106163"/>
+        <p14:creationId xmlns:p14="http://schemas.microsoft.com/office/powerpoint/2010/main" val="1847633751"/>
       </p:ext>
     </p:extLst>
   </p:cSld>
@@ -7373,7 +7180,7 @@
           <p:cNvPr id="2" name="Title 1">
             <a:extLst>
               <a:ext uri="{FF2B5EF4-FFF2-40B4-BE49-F238E27FC236}">
-                <a16:creationId xmlns:a16="http://schemas.microsoft.com/office/drawing/2014/main" id="{68D931F9-F141-44F7-84A1-299FE7804C75}"/>
+                <a16:creationId xmlns:a16="http://schemas.microsoft.com/office/drawing/2014/main" id="{986E619C-EF37-436F-A3A3-5E53CE2B759B}"/>
               </a:ext>
             </a:extLst>
           </p:cNvPr>
@@ -7390,9 +7197,29 @@
           <a:lstStyle/>
           <a:p>
             <a:r>
-              <a:rPr lang="en-US" dirty="0"/>
-              <a:t>PRISM 7.0/7.1 Demo</a:t>
-            </a:r>
+              <a:rPr lang="en-US" dirty="0" err="1"/>
+              <a:t>Prism.Forms</a:t>
+            </a:r>
+            <a:r>
+              <a:rPr lang="en-US" dirty="0"/>
+              <a:t> 7.0/7.1</a:t>
+            </a:r>
+            <a:br>
+              <a:rPr lang="en-US" dirty="0"/>
+            </a:br>
+            <a:r>
+              <a:rPr lang="en-US" dirty="0" err="1"/>
+              <a:t>BootStrap</a:t>
+            </a:r>
+            <a:r>
+              <a:rPr lang="en-US" dirty="0"/>
+              <a:t> / </a:t>
+            </a:r>
+            <a:r>
+              <a:rPr lang="en-US" dirty="0" err="1"/>
+              <a:t>PrismApplication</a:t>
+            </a:r>
+            <a:endParaRPr lang="en-US" dirty="0"/>
           </a:p>
         </p:txBody>
       </p:sp>
@@ -7401,7 +7228,7 @@
           <p:cNvPr id="3" name="Content Placeholder 2">
             <a:extLst>
               <a:ext uri="{FF2B5EF4-FFF2-40B4-BE49-F238E27FC236}">
-                <a16:creationId xmlns:a16="http://schemas.microsoft.com/office/drawing/2014/main" id="{0D4B9393-A23E-4991-88BB-7FA5DC5756F1}"/>
+                <a16:creationId xmlns:a16="http://schemas.microsoft.com/office/drawing/2014/main" id="{E4D79A87-F7F9-4788-B4F5-EF1A89259DDC}"/>
               </a:ext>
             </a:extLst>
           </p:cNvPr>
@@ -7409,33 +7236,215 @@
             <a:spLocks noGrp="1"/>
           </p:cNvSpPr>
           <p:nvPr>
-            <p:ph type="body" idx="1"/>
+            <p:ph idx="1"/>
           </p:nvPr>
         </p:nvSpPr>
         <p:spPr/>
         <p:txBody>
-          <a:bodyPr/>
+          <a:bodyPr>
+            <a:normAutofit/>
+          </a:bodyPr>
           <a:lstStyle/>
           <a:p>
             <a:r>
-              <a:rPr lang="en-US" dirty="0"/>
-              <a:t>Better Navigation, Partial Views, </a:t>
-            </a:r>
-            <a:r>
               <a:rPr lang="en-US" dirty="0" err="1"/>
-              <a:t>ContentProdiver</a:t>
-            </a:r>
-            <a:r>
-              <a:rPr lang="en-US" dirty="0"/>
-              <a:t>, XAML Navigation</a:t>
-            </a:r>
+              <a:t>RegisterTypes</a:t>
+            </a:r>
+            <a:r>
+              <a:rPr lang="en-US" dirty="0"/>
+              <a:t>() </a:t>
+            </a:r>
+            <a:r>
+              <a:rPr lang="en-US" dirty="0">
+                <a:sym typeface="Wingdings" panose="05000000000000000000" pitchFamily="2" charset="2"/>
+              </a:rPr>
+              <a:t> </a:t>
+            </a:r>
+            <a:r>
+              <a:rPr lang="en-US" dirty="0" err="1">
+                <a:sym typeface="Wingdings" panose="05000000000000000000" pitchFamily="2" charset="2"/>
+              </a:rPr>
+              <a:t>RegisterTypes</a:t>
+            </a:r>
+            <a:r>
+              <a:rPr lang="en-US" dirty="0">
+                <a:sym typeface="Wingdings" panose="05000000000000000000" pitchFamily="2" charset="2"/>
+              </a:rPr>
+              <a:t>(</a:t>
+            </a:r>
+            <a:r>
+              <a:rPr lang="en-US" dirty="0" err="1">
+                <a:sym typeface="Wingdings" panose="05000000000000000000" pitchFamily="2" charset="2"/>
+              </a:rPr>
+              <a:t>IContainerRegistry</a:t>
+            </a:r>
+            <a:r>
+              <a:rPr lang="en-US" dirty="0">
+                <a:sym typeface="Wingdings" panose="05000000000000000000" pitchFamily="2" charset="2"/>
+              </a:rPr>
+              <a:t> </a:t>
+            </a:r>
+            <a:r>
+              <a:rPr lang="en-US" dirty="0" err="1">
+                <a:sym typeface="Wingdings" panose="05000000000000000000" pitchFamily="2" charset="2"/>
+              </a:rPr>
+              <a:t>cr</a:t>
+            </a:r>
+            <a:r>
+              <a:rPr lang="en-US" dirty="0">
+                <a:sym typeface="Wingdings" panose="05000000000000000000" pitchFamily="2" charset="2"/>
+              </a:rPr>
+              <a:t>)</a:t>
+            </a:r>
+          </a:p>
+          <a:p>
+            <a:r>
+              <a:rPr lang="en-US" strike="sngStrike" dirty="0" err="1">
+                <a:sym typeface="Wingdings" panose="05000000000000000000" pitchFamily="2" charset="2"/>
+              </a:rPr>
+              <a:t>CreateContainer</a:t>
+            </a:r>
+            <a:r>
+              <a:rPr lang="en-US" strike="sngStrike" dirty="0">
+                <a:sym typeface="Wingdings" panose="05000000000000000000" pitchFamily="2" charset="2"/>
+              </a:rPr>
+              <a:t>()</a:t>
+            </a:r>
+          </a:p>
+          <a:p>
+            <a:r>
+              <a:rPr lang="en-US" strike="sngStrike" dirty="0" err="1">
+                <a:sym typeface="Wingdings" panose="05000000000000000000" pitchFamily="2" charset="2"/>
+              </a:rPr>
+              <a:t>CreateNavigationService</a:t>
+            </a:r>
+            <a:r>
+              <a:rPr lang="en-US" strike="sngStrike" dirty="0">
+                <a:sym typeface="Wingdings" panose="05000000000000000000" pitchFamily="2" charset="2"/>
+              </a:rPr>
+              <a:t>()</a:t>
+            </a:r>
+          </a:p>
+          <a:p>
+            <a:r>
+              <a:rPr lang="en-US" strike="sngStrike" dirty="0" err="1">
+                <a:sym typeface="Wingdings" panose="05000000000000000000" pitchFamily="2" charset="2"/>
+              </a:rPr>
+              <a:t>CreateLogger</a:t>
+            </a:r>
+            <a:r>
+              <a:rPr lang="en-US" strike="sngStrike" dirty="0">
+                <a:sym typeface="Wingdings" panose="05000000000000000000" pitchFamily="2" charset="2"/>
+              </a:rPr>
+              <a:t>()</a:t>
+            </a:r>
+          </a:p>
+          <a:p>
+            <a:r>
+              <a:rPr lang="en-US" dirty="0">
+                <a:sym typeface="Wingdings" panose="05000000000000000000" pitchFamily="2" charset="2"/>
+              </a:rPr>
+              <a:t>Container == </a:t>
+            </a:r>
+            <a:r>
+              <a:rPr lang="en-US" dirty="0" err="1">
+                <a:sym typeface="Wingdings" panose="05000000000000000000" pitchFamily="2" charset="2"/>
+              </a:rPr>
+              <a:t>IContainerProvider</a:t>
+            </a:r>
+            <a:endParaRPr lang="en-US" dirty="0">
+              <a:sym typeface="Wingdings" panose="05000000000000000000" pitchFamily="2" charset="2"/>
+            </a:endParaRPr>
+          </a:p>
+          <a:p>
+            <a:r>
+              <a:rPr lang="en-US" dirty="0">
+                <a:sym typeface="Wingdings" panose="05000000000000000000" pitchFamily="2" charset="2"/>
+              </a:rPr>
+              <a:t>Ren: </a:t>
+            </a:r>
+            <a:r>
+              <a:rPr lang="en-US" dirty="0" err="1">
+                <a:sym typeface="Wingdings" panose="05000000000000000000" pitchFamily="2" charset="2"/>
+              </a:rPr>
+              <a:t>ConfigureContainer</a:t>
+            </a:r>
+            <a:r>
+              <a:rPr lang="en-US" dirty="0">
+                <a:sym typeface="Wingdings" panose="05000000000000000000" pitchFamily="2" charset="2"/>
+              </a:rPr>
+              <a:t>  </a:t>
+            </a:r>
+            <a:r>
+              <a:rPr lang="en-US" dirty="0" err="1">
+                <a:sym typeface="Wingdings" panose="05000000000000000000" pitchFamily="2" charset="2"/>
+              </a:rPr>
+              <a:t>RegisterRequiredTypes</a:t>
+            </a:r>
+            <a:r>
+              <a:rPr lang="en-US" dirty="0">
+                <a:sym typeface="Wingdings" panose="05000000000000000000" pitchFamily="2" charset="2"/>
+              </a:rPr>
+              <a:t>(</a:t>
+            </a:r>
+            <a:r>
+              <a:rPr lang="en-US" dirty="0" err="1">
+                <a:sym typeface="Wingdings" panose="05000000000000000000" pitchFamily="2" charset="2"/>
+              </a:rPr>
+              <a:t>IContainerRegistry</a:t>
+            </a:r>
+            <a:r>
+              <a:rPr lang="en-US" dirty="0">
+                <a:sym typeface="Wingdings" panose="05000000000000000000" pitchFamily="2" charset="2"/>
+              </a:rPr>
+              <a:t> </a:t>
+            </a:r>
+            <a:r>
+              <a:rPr lang="en-US" dirty="0" err="1">
+                <a:sym typeface="Wingdings" panose="05000000000000000000" pitchFamily="2" charset="2"/>
+              </a:rPr>
+              <a:t>cr</a:t>
+            </a:r>
+            <a:r>
+              <a:rPr lang="en-US" dirty="0">
+                <a:sym typeface="Wingdings" panose="05000000000000000000" pitchFamily="2" charset="2"/>
+              </a:rPr>
+              <a:t>)</a:t>
+            </a:r>
+          </a:p>
+          <a:p>
+            <a:r>
+              <a:rPr lang="en-US" dirty="0">
+                <a:sym typeface="Wingdings" panose="05000000000000000000" pitchFamily="2" charset="2"/>
+              </a:rPr>
+              <a:t>Ren: </a:t>
+            </a:r>
+            <a:r>
+              <a:rPr lang="en-US" dirty="0" err="1">
+                <a:sym typeface="Wingdings" panose="05000000000000000000" pitchFamily="2" charset="2"/>
+              </a:rPr>
+              <a:t>RegisterTypeForNavigation</a:t>
+            </a:r>
+            <a:r>
+              <a:rPr lang="en-US" dirty="0">
+                <a:sym typeface="Wingdings" panose="05000000000000000000" pitchFamily="2" charset="2"/>
+              </a:rPr>
+              <a:t>  </a:t>
+            </a:r>
+            <a:r>
+              <a:rPr lang="en-US" dirty="0" err="1">
+                <a:sym typeface="Wingdings" panose="05000000000000000000" pitchFamily="2" charset="2"/>
+              </a:rPr>
+              <a:t>RegisterForNavigation</a:t>
+            </a:r>
+            <a:endParaRPr lang="en-US" dirty="0"/>
           </a:p>
         </p:txBody>
       </p:sp>
     </p:spTree>
     <p:extLst>
       <p:ext uri="{BB962C8B-B14F-4D97-AF65-F5344CB8AC3E}">
-        <p14:creationId xmlns:p14="http://schemas.microsoft.com/office/powerpoint/2010/main" val="1871837192"/>
+        <p14:creationId xmlns:p14="http://schemas.microsoft.com/office/powerpoint/2010/main" val="2190065577"/>
       </p:ext>
     </p:extLst>
   </p:cSld>
@@ -7464,10 +7473,10 @@
       </p:grpSpPr>
       <p:sp>
         <p:nvSpPr>
-          <p:cNvPr id="4" name="Title 3">
+          <p:cNvPr id="2" name="Title 1">
             <a:extLst>
               <a:ext uri="{FF2B5EF4-FFF2-40B4-BE49-F238E27FC236}">
-                <a16:creationId xmlns:a16="http://schemas.microsoft.com/office/drawing/2014/main" id="{10FC34F5-1D0E-40FA-94FF-972BB8BFCD1B}"/>
+                <a16:creationId xmlns:a16="http://schemas.microsoft.com/office/drawing/2014/main" id="{68D931F9-F141-44F7-84A1-299FE7804C75}"/>
               </a:ext>
             </a:extLst>
           </p:cNvPr>
@@ -7485,17 +7494,17 @@
           <a:p>
             <a:r>
               <a:rPr lang="en-US" dirty="0"/>
-              <a:t>Xamarin Essentials</a:t>
-            </a:r>
-          </a:p>
-        </p:txBody>
-      </p:sp>
-      <p:sp>
-        <p:nvSpPr>
-          <p:cNvPr id="5" name="Content Placeholder 4">
+              <a:t>PRISM 7.0/7.1</a:t>
+            </a:r>
+          </a:p>
+        </p:txBody>
+      </p:sp>
+      <p:sp>
+        <p:nvSpPr>
+          <p:cNvPr id="3" name="Content Placeholder 2">
             <a:extLst>
               <a:ext uri="{FF2B5EF4-FFF2-40B4-BE49-F238E27FC236}">
-                <a16:creationId xmlns:a16="http://schemas.microsoft.com/office/drawing/2014/main" id="{F55FEA79-97E4-428C-912D-35F3B57DBA1C}"/>
+                <a16:creationId xmlns:a16="http://schemas.microsoft.com/office/drawing/2014/main" id="{0D4B9393-A23E-4991-88BB-7FA5DC5756F1}"/>
               </a:ext>
             </a:extLst>
           </p:cNvPr>
@@ -7508,91 +7517,31 @@
         </p:nvSpPr>
         <p:spPr/>
         <p:txBody>
-          <a:bodyPr>
-            <a:normAutofit fontScale="85000" lnSpcReduction="20000"/>
-          </a:bodyPr>
+          <a:bodyPr/>
           <a:lstStyle/>
           <a:p>
             <a:r>
               <a:rPr lang="en-US" dirty="0"/>
-              <a:t>Abstraction of Hardware/System functions for </a:t>
-            </a:r>
+              <a:t>Better Navigation</a:t>
+            </a:r>
+          </a:p>
+          <a:p>
+            <a:r>
+              <a:rPr lang="en-US" dirty="0"/>
+              <a:t>Partial Views</a:t>
+            </a:r>
+          </a:p>
+          <a:p>
             <a:r>
               <a:rPr lang="en-US" dirty="0" err="1"/>
-              <a:t>CrossPlattform</a:t>
+              <a:t>ContentProdiver</a:t>
             </a:r>
             <a:endParaRPr lang="en-US" dirty="0"/>
           </a:p>
           <a:p>
             <a:r>
               <a:rPr lang="en-US" dirty="0"/>
-              <a:t>Replacement for Plugins</a:t>
-            </a:r>
-          </a:p>
-          <a:p>
-            <a:pPr lvl="1"/>
-            <a:r>
-              <a:rPr lang="en-US" dirty="0"/>
-              <a:t>App Information</a:t>
-            </a:r>
-          </a:p>
-          <a:p>
-            <a:pPr lvl="1"/>
-            <a:r>
-              <a:rPr lang="en-US" dirty="0"/>
-              <a:t>Clipboard</a:t>
-            </a:r>
-          </a:p>
-          <a:p>
-            <a:pPr lvl="1"/>
-            <a:r>
-              <a:rPr lang="en-US" dirty="0"/>
-              <a:t>Connectivity</a:t>
-            </a:r>
-          </a:p>
-          <a:p>
-            <a:pPr lvl="1"/>
-            <a:r>
-              <a:rPr lang="en-US" dirty="0"/>
-              <a:t>Launcher</a:t>
-            </a:r>
-          </a:p>
-          <a:p>
-            <a:pPr lvl="1"/>
-            <a:r>
-              <a:rPr lang="en-US" dirty="0" err="1"/>
-              <a:t>MainThread</a:t>
-            </a:r>
-            <a:endParaRPr lang="en-US" dirty="0"/>
-          </a:p>
-          <a:p>
-            <a:pPr lvl="1"/>
-            <a:r>
-              <a:rPr lang="en-US" dirty="0"/>
-              <a:t>Maps</a:t>
-            </a:r>
-          </a:p>
-          <a:p>
-            <a:pPr lvl="1"/>
-            <a:r>
-              <a:rPr lang="en-US" dirty="0" err="1"/>
-              <a:t>PhoneDailer</a:t>
-            </a:r>
-            <a:endParaRPr lang="en-US" dirty="0"/>
-          </a:p>
-          <a:p>
-            <a:pPr lvl="1"/>
-            <a:r>
-              <a:rPr lang="en-US" dirty="0" err="1"/>
-              <a:t>Sms</a:t>
-            </a:r>
-            <a:endParaRPr lang="en-US" dirty="0"/>
-          </a:p>
-          <a:p>
-            <a:pPr lvl="1"/>
-            <a:r>
-              <a:rPr lang="en-US" dirty="0"/>
-              <a:t>Text-To-Speech</a:t>
+              <a:t>XAML Navigation</a:t>
             </a:r>
           </a:p>
         </p:txBody>
@@ -7600,7 +7549,7 @@
     </p:spTree>
     <p:extLst>
       <p:ext uri="{BB962C8B-B14F-4D97-AF65-F5344CB8AC3E}">
-        <p14:creationId xmlns:p14="http://schemas.microsoft.com/office/powerpoint/2010/main" val="2581084698"/>
+        <p14:creationId xmlns:p14="http://schemas.microsoft.com/office/powerpoint/2010/main" val="3667106163"/>
       </p:ext>
     </p:extLst>
   </p:cSld>
@@ -8417,6 +8366,265 @@
       </p:grpSpPr>
       <p:sp>
         <p:nvSpPr>
+          <p:cNvPr id="2" name="Title 1">
+            <a:extLst>
+              <a:ext uri="{FF2B5EF4-FFF2-40B4-BE49-F238E27FC236}">
+                <a16:creationId xmlns:a16="http://schemas.microsoft.com/office/drawing/2014/main" id="{68D931F9-F141-44F7-84A1-299FE7804C75}"/>
+              </a:ext>
+            </a:extLst>
+          </p:cNvPr>
+          <p:cNvSpPr>
+            <a:spLocks noGrp="1"/>
+          </p:cNvSpPr>
+          <p:nvPr>
+            <p:ph type="title"/>
+          </p:nvPr>
+        </p:nvSpPr>
+        <p:spPr/>
+        <p:txBody>
+          <a:bodyPr/>
+          <a:lstStyle/>
+          <a:p>
+            <a:r>
+              <a:rPr lang="en-US" dirty="0"/>
+              <a:t>PRISM 7.0/7.1 Demo</a:t>
+            </a:r>
+          </a:p>
+        </p:txBody>
+      </p:sp>
+      <p:sp>
+        <p:nvSpPr>
+          <p:cNvPr id="3" name="Content Placeholder 2">
+            <a:extLst>
+              <a:ext uri="{FF2B5EF4-FFF2-40B4-BE49-F238E27FC236}">
+                <a16:creationId xmlns:a16="http://schemas.microsoft.com/office/drawing/2014/main" id="{0D4B9393-A23E-4991-88BB-7FA5DC5756F1}"/>
+              </a:ext>
+            </a:extLst>
+          </p:cNvPr>
+          <p:cNvSpPr>
+            <a:spLocks noGrp="1"/>
+          </p:cNvSpPr>
+          <p:nvPr>
+            <p:ph type="body" idx="1"/>
+          </p:nvPr>
+        </p:nvSpPr>
+        <p:spPr/>
+        <p:txBody>
+          <a:bodyPr/>
+          <a:lstStyle/>
+          <a:p>
+            <a:r>
+              <a:rPr lang="en-US" dirty="0"/>
+              <a:t>Better Navigation, Partial Views, </a:t>
+            </a:r>
+            <a:r>
+              <a:rPr lang="en-US" dirty="0" err="1"/>
+              <a:t>ContentProdiver</a:t>
+            </a:r>
+            <a:r>
+              <a:rPr lang="en-US" dirty="0"/>
+              <a:t>, XAML Navigation</a:t>
+            </a:r>
+          </a:p>
+        </p:txBody>
+      </p:sp>
+    </p:spTree>
+    <p:extLst>
+      <p:ext uri="{BB962C8B-B14F-4D97-AF65-F5344CB8AC3E}">
+        <p14:creationId xmlns:p14="http://schemas.microsoft.com/office/powerpoint/2010/main" val="1871837192"/>
+      </p:ext>
+    </p:extLst>
+  </p:cSld>
+  <p:clrMapOvr>
+    <a:masterClrMapping/>
+  </p:clrMapOvr>
+</p:sld>
+</file>
+
+<file path=ppt/slides/slide21.xml><?xml version="1.0" encoding="utf-8"?>
+<p:sld xmlns:a="http://schemas.openxmlformats.org/drawingml/2006/main" xmlns:r="http://schemas.openxmlformats.org/officeDocument/2006/relationships" xmlns:p="http://schemas.openxmlformats.org/presentationml/2006/main">
+  <p:cSld>
+    <p:spTree>
+      <p:nvGrpSpPr>
+        <p:cNvPr id="1" name=""/>
+        <p:cNvGrpSpPr/>
+        <p:nvPr/>
+      </p:nvGrpSpPr>
+      <p:grpSpPr>
+        <a:xfrm>
+          <a:off x="0" y="0"/>
+          <a:ext cx="0" cy="0"/>
+          <a:chOff x="0" y="0"/>
+          <a:chExt cx="0" cy="0"/>
+        </a:xfrm>
+      </p:grpSpPr>
+      <p:sp>
+        <p:nvSpPr>
+          <p:cNvPr id="4" name="Title 3">
+            <a:extLst>
+              <a:ext uri="{FF2B5EF4-FFF2-40B4-BE49-F238E27FC236}">
+                <a16:creationId xmlns:a16="http://schemas.microsoft.com/office/drawing/2014/main" id="{10FC34F5-1D0E-40FA-94FF-972BB8BFCD1B}"/>
+              </a:ext>
+            </a:extLst>
+          </p:cNvPr>
+          <p:cNvSpPr>
+            <a:spLocks noGrp="1"/>
+          </p:cNvSpPr>
+          <p:nvPr>
+            <p:ph type="title"/>
+          </p:nvPr>
+        </p:nvSpPr>
+        <p:spPr/>
+        <p:txBody>
+          <a:bodyPr/>
+          <a:lstStyle/>
+          <a:p>
+            <a:r>
+              <a:rPr lang="en-US" dirty="0"/>
+              <a:t>Xamarin Essentials</a:t>
+            </a:r>
+          </a:p>
+        </p:txBody>
+      </p:sp>
+      <p:sp>
+        <p:nvSpPr>
+          <p:cNvPr id="5" name="Content Placeholder 4">
+            <a:extLst>
+              <a:ext uri="{FF2B5EF4-FFF2-40B4-BE49-F238E27FC236}">
+                <a16:creationId xmlns:a16="http://schemas.microsoft.com/office/drawing/2014/main" id="{F55FEA79-97E4-428C-912D-35F3B57DBA1C}"/>
+              </a:ext>
+            </a:extLst>
+          </p:cNvPr>
+          <p:cNvSpPr>
+            <a:spLocks noGrp="1"/>
+          </p:cNvSpPr>
+          <p:nvPr>
+            <p:ph idx="1"/>
+          </p:nvPr>
+        </p:nvSpPr>
+        <p:spPr/>
+        <p:txBody>
+          <a:bodyPr>
+            <a:normAutofit fontScale="85000" lnSpcReduction="20000"/>
+          </a:bodyPr>
+          <a:lstStyle/>
+          <a:p>
+            <a:r>
+              <a:rPr lang="en-US" dirty="0"/>
+              <a:t>Abstraction of Hardware/System functions for </a:t>
+            </a:r>
+            <a:r>
+              <a:rPr lang="en-US" dirty="0" err="1"/>
+              <a:t>CrossPlatform</a:t>
+            </a:r>
+            <a:endParaRPr lang="en-US" dirty="0"/>
+          </a:p>
+          <a:p>
+            <a:r>
+              <a:rPr lang="en-US" dirty="0"/>
+              <a:t>Replacement for Plugins</a:t>
+            </a:r>
+          </a:p>
+          <a:p>
+            <a:pPr lvl="1"/>
+            <a:r>
+              <a:rPr lang="en-US" dirty="0"/>
+              <a:t>App Information</a:t>
+            </a:r>
+          </a:p>
+          <a:p>
+            <a:pPr lvl="1"/>
+            <a:r>
+              <a:rPr lang="en-US" dirty="0"/>
+              <a:t>Clipboard</a:t>
+            </a:r>
+          </a:p>
+          <a:p>
+            <a:pPr lvl="1"/>
+            <a:r>
+              <a:rPr lang="en-US" dirty="0"/>
+              <a:t>Connectivity</a:t>
+            </a:r>
+          </a:p>
+          <a:p>
+            <a:pPr lvl="1"/>
+            <a:r>
+              <a:rPr lang="en-US" dirty="0"/>
+              <a:t>Launcher</a:t>
+            </a:r>
+          </a:p>
+          <a:p>
+            <a:pPr lvl="1"/>
+            <a:r>
+              <a:rPr lang="en-US" dirty="0" err="1"/>
+              <a:t>MainThread</a:t>
+            </a:r>
+            <a:endParaRPr lang="en-US" dirty="0"/>
+          </a:p>
+          <a:p>
+            <a:pPr lvl="1"/>
+            <a:r>
+              <a:rPr lang="en-US" dirty="0"/>
+              <a:t>Maps</a:t>
+            </a:r>
+          </a:p>
+          <a:p>
+            <a:pPr lvl="1"/>
+            <a:r>
+              <a:rPr lang="en-US" dirty="0" err="1"/>
+              <a:t>PhoneDailer</a:t>
+            </a:r>
+            <a:endParaRPr lang="en-US" dirty="0"/>
+          </a:p>
+          <a:p>
+            <a:pPr lvl="1"/>
+            <a:r>
+              <a:rPr lang="en-US" dirty="0" err="1"/>
+              <a:t>Sms</a:t>
+            </a:r>
+            <a:endParaRPr lang="en-US" dirty="0"/>
+          </a:p>
+          <a:p>
+            <a:pPr lvl="1"/>
+            <a:r>
+              <a:rPr lang="en-US" dirty="0"/>
+              <a:t>Text-To-Speech</a:t>
+            </a:r>
+          </a:p>
+        </p:txBody>
+      </p:sp>
+    </p:spTree>
+    <p:extLst>
+      <p:ext uri="{BB962C8B-B14F-4D97-AF65-F5344CB8AC3E}">
+        <p14:creationId xmlns:p14="http://schemas.microsoft.com/office/powerpoint/2010/main" val="2581084698"/>
+      </p:ext>
+    </p:extLst>
+  </p:cSld>
+  <p:clrMapOvr>
+    <a:masterClrMapping/>
+  </p:clrMapOvr>
+</p:sld>
+</file>
+
+<file path=ppt/slides/slide22.xml><?xml version="1.0" encoding="utf-8"?>
+<p:sld xmlns:a="http://schemas.openxmlformats.org/drawingml/2006/main" xmlns:r="http://schemas.openxmlformats.org/officeDocument/2006/relationships" xmlns:p="http://schemas.openxmlformats.org/presentationml/2006/main">
+  <p:cSld>
+    <p:spTree>
+      <p:nvGrpSpPr>
+        <p:cNvPr id="1" name=""/>
+        <p:cNvGrpSpPr/>
+        <p:nvPr/>
+      </p:nvGrpSpPr>
+      <p:grpSpPr>
+        <a:xfrm>
+          <a:off x="0" y="0"/>
+          <a:ext cx="0" cy="0"/>
+          <a:chOff x="0" y="0"/>
+          <a:chExt cx="0" cy="0"/>
+        </a:xfrm>
+      </p:grpSpPr>
+      <p:sp>
+        <p:nvSpPr>
           <p:cNvPr id="4" name="Title 3">
             <a:extLst>
               <a:ext uri="{FF2B5EF4-FFF2-40B4-BE49-F238E27FC236}">
@@ -8505,7 +8713,7 @@
 </p:sld>
 </file>
 
-<file path=ppt/slides/slide21.xml><?xml version="1.0" encoding="utf-8"?>
+<file path=ppt/slides/slide23.xml><?xml version="1.0" encoding="utf-8"?>
 <p:sld xmlns:a="http://schemas.openxmlformats.org/drawingml/2006/main" xmlns:r="http://schemas.openxmlformats.org/officeDocument/2006/relationships" xmlns:p="http://schemas.openxmlformats.org/presentationml/2006/main">
   <p:cSld>
     <p:spTree>
@@ -8593,7 +8801,7 @@
 </p:sld>
 </file>
 
-<file path=ppt/slides/slide22.xml><?xml version="1.0" encoding="utf-8"?>
+<file path=ppt/slides/slide24.xml><?xml version="1.0" encoding="utf-8"?>
 <p:sld xmlns:a="http://schemas.openxmlformats.org/drawingml/2006/main" xmlns:r="http://schemas.openxmlformats.org/officeDocument/2006/relationships" xmlns:p="http://schemas.openxmlformats.org/presentationml/2006/main">
   <p:cSld>
     <p:spTree>
@@ -9210,8 +9418,16 @@
           <a:lstStyle/>
           <a:p>
             <a:r>
-              <a:rPr lang="en-US" sz="2500"/>
-              <a:t>What’s new in Xamarin.Forms 3.x and Prism.Forms 7.x</a:t>
+              <a:rPr lang="en-US" sz="2500" dirty="0"/>
+              <a:t>What’s new in </a:t>
+            </a:r>
+            <a:r>
+              <a:rPr lang="en-US" sz="2500" dirty="0" err="1"/>
+              <a:t>Xamarin.Forms</a:t>
+            </a:r>
+            <a:r>
+              <a:rPr lang="en-US" sz="2500" dirty="0"/>
+              <a:t> 4.0</a:t>
             </a:r>
           </a:p>
         </p:txBody>
@@ -9245,9 +9461,14 @@
           <a:lstStyle/>
           <a:p>
             <a:r>
-              <a:rPr lang="en-US" sz="1600" cap="all"/>
-              <a:t>Overview and demos on new features for Xamarin.Forms and Prism.Forms</a:t>
-            </a:r>
+              <a:rPr lang="en-US" sz="1600" cap="all" dirty="0"/>
+              <a:t>Overview and demos on new features for </a:t>
+            </a:r>
+            <a:r>
+              <a:rPr lang="en-US" sz="1600" cap="all" dirty="0" err="1"/>
+              <a:t>Xamarin.Forms</a:t>
+            </a:r>
+            <a:endParaRPr lang="en-US" sz="1600" cap="all" dirty="0"/>
           </a:p>
         </p:txBody>
       </p:sp>
@@ -9791,8 +10012,13 @@
             </a:r>
             <a:r>
               <a:rPr lang="en-US" dirty="0"/>
-              <a:t> 3.0</a:t>
-            </a:r>
+              <a:t> </a:t>
+            </a:r>
+            <a:r>
+              <a:rPr lang="en-US" dirty="0" err="1"/>
+              <a:t>BindableLayout</a:t>
+            </a:r>
+            <a:endParaRPr lang="en-US" dirty="0"/>
           </a:p>
           <a:p>
             <a:r>
@@ -9801,7 +10027,7 @@
             </a:r>
             <a:r>
               <a:rPr lang="en-US" dirty="0"/>
-              <a:t> 3.1</a:t>
+              <a:t> Flexbox</a:t>
             </a:r>
           </a:p>
           <a:p>
@@ -9811,7 +10037,7 @@
             </a:r>
             <a:r>
               <a:rPr lang="en-US" dirty="0"/>
-              <a:t> 3.2</a:t>
+              <a:t> Shells</a:t>
             </a:r>
           </a:p>
           <a:p>
@@ -9821,17 +10047,22 @@
             </a:r>
             <a:r>
               <a:rPr lang="en-US" dirty="0"/>
-              <a:t> 3.3</a:t>
-            </a:r>
-          </a:p>
-          <a:p>
+              <a:t> </a:t>
+            </a:r>
             <a:r>
               <a:rPr lang="en-US" dirty="0" err="1"/>
-              <a:t>Prism.Forms</a:t>
-            </a:r>
-            <a:r>
-              <a:rPr lang="en-US" dirty="0"/>
-              <a:t> 7.0/7.1</a:t>
+              <a:t>CollectionView</a:t>
+            </a:r>
+            <a:endParaRPr lang="en-US" dirty="0"/>
+          </a:p>
+          <a:p>
+            <a:r>
+              <a:rPr lang="en-US" dirty="0" err="1"/>
+              <a:t>Xamarin.Forms</a:t>
+            </a:r>
+            <a:r>
+              <a:rPr lang="en-US" dirty="0"/>
+              <a:t> CSS</a:t>
             </a:r>
           </a:p>
         </p:txBody>
@@ -9871,7 +10102,7 @@
           <p:cNvPr id="2" name="Title 1">
             <a:extLst>
               <a:ext uri="{FF2B5EF4-FFF2-40B4-BE49-F238E27FC236}">
-                <a16:creationId xmlns:a16="http://schemas.microsoft.com/office/drawing/2014/main" id="{A4D7947C-4A8B-44FB-961C-C3AAB0C682DE}"/>
+                <a16:creationId xmlns:a16="http://schemas.microsoft.com/office/drawing/2014/main" id="{64396D7B-479C-4103-B998-771FD9E7E7F9}"/>
               </a:ext>
             </a:extLst>
           </p:cNvPr>
@@ -9888,13 +10119,18 @@
           <a:lstStyle/>
           <a:p>
             <a:r>
-              <a:rPr lang="en-US" dirty="0" err="1"/>
+              <a:rPr lang="en-US" cap="none" dirty="0" err="1"/>
               <a:t>Xamarin.Forms</a:t>
             </a:r>
             <a:r>
               <a:rPr lang="en-US" dirty="0"/>
-              <a:t> 3.0</a:t>
-            </a:r>
+              <a:t> </a:t>
+            </a:r>
+            <a:r>
+              <a:rPr lang="en-US" cap="none" dirty="0" err="1"/>
+              <a:t>BindableLayout</a:t>
+            </a:r>
+            <a:endParaRPr lang="en-US" dirty="0"/>
           </a:p>
         </p:txBody>
       </p:sp>
@@ -9903,7 +10139,7 @@
           <p:cNvPr id="3" name="Content Placeholder 2">
             <a:extLst>
               <a:ext uri="{FF2B5EF4-FFF2-40B4-BE49-F238E27FC236}">
-                <a16:creationId xmlns:a16="http://schemas.microsoft.com/office/drawing/2014/main" id="{57682AA8-403F-4C86-9AAA-235B4D39202B}"/>
+                <a16:creationId xmlns:a16="http://schemas.microsoft.com/office/drawing/2014/main" id="{48C43C1B-B4C7-4A98-9D60-76930756EB11}"/>
               </a:ext>
             </a:extLst>
           </p:cNvPr>
@@ -9921,54 +10157,55 @@
           <a:p>
             <a:r>
               <a:rPr lang="en-US" dirty="0"/>
-              <a:t>Lots of small Enhancements</a:t>
-            </a:r>
-          </a:p>
-          <a:p>
-            <a:r>
-              <a:rPr lang="en-US" dirty="0"/>
-              <a:t>Visual State Manager</a:t>
-            </a:r>
-          </a:p>
-          <a:p>
-            <a:r>
-              <a:rPr lang="en-US" dirty="0"/>
-              <a:t>Flexbox</a:t>
-            </a:r>
-          </a:p>
-          <a:p>
+              <a:t>Attached property on Layout&lt;T&gt;</a:t>
+            </a:r>
+          </a:p>
+          <a:p>
+            <a:r>
+              <a:rPr lang="en-US" dirty="0"/>
+              <a:t>MVVM binding of properties to i.e.</a:t>
+            </a:r>
+          </a:p>
+          <a:p>
+            <a:pPr lvl="1"/>
             <a:r>
               <a:rPr lang="en-US" dirty="0" err="1"/>
-              <a:t>Css</a:t>
+              <a:t>StackLayout</a:t>
             </a:r>
             <a:endParaRPr lang="en-US" dirty="0"/>
           </a:p>
           <a:p>
-            <a:r>
-              <a:rPr lang="en-US" dirty="0"/>
-              <a:t>RTL-Support*</a:t>
-            </a:r>
-          </a:p>
-          <a:p>
-            <a:r>
-              <a:rPr lang="en-US" dirty="0"/>
-              <a:t>Improved </a:t>
-            </a:r>
+            <a:pPr lvl="1"/>
             <a:r>
               <a:rPr lang="en-US" dirty="0" err="1"/>
-              <a:t>ResourceDictionaries</a:t>
-            </a:r>
-            <a:r>
-              <a:rPr lang="en-US" dirty="0"/>
-              <a:t>*</a:t>
-            </a:r>
+              <a:t>RelativeLayout</a:t>
+            </a:r>
+            <a:endParaRPr lang="en-US" dirty="0"/>
+          </a:p>
+          <a:p>
+            <a:pPr lvl="1"/>
+            <a:r>
+              <a:rPr lang="en-US" dirty="0"/>
+              <a:t>Grid</a:t>
+            </a:r>
+          </a:p>
+          <a:p>
+            <a:pPr lvl="1"/>
+            <a:r>
+              <a:rPr lang="en-US"/>
+              <a:t>FlexLayout</a:t>
+            </a:r>
+            <a:endParaRPr lang="en-US" dirty="0"/>
+          </a:p>
+          <a:p>
+            <a:endParaRPr lang="en-US" dirty="0"/>
           </a:p>
         </p:txBody>
       </p:sp>
     </p:spTree>
     <p:extLst>
       <p:ext uri="{BB962C8B-B14F-4D97-AF65-F5344CB8AC3E}">
-        <p14:creationId xmlns:p14="http://schemas.microsoft.com/office/powerpoint/2010/main" val="4243152830"/>
+        <p14:creationId xmlns:p14="http://schemas.microsoft.com/office/powerpoint/2010/main" val="3717716259"/>
       </p:ext>
     </p:extLst>
   </p:cSld>
@@ -10000,7 +10237,7 @@
           <p:cNvPr id="2" name="Title 1">
             <a:extLst>
               <a:ext uri="{FF2B5EF4-FFF2-40B4-BE49-F238E27FC236}">
-                <a16:creationId xmlns:a16="http://schemas.microsoft.com/office/drawing/2014/main" id="{2CDE5C20-9068-4B35-8DF6-275EB5475D08}"/>
+                <a16:creationId xmlns:a16="http://schemas.microsoft.com/office/drawing/2014/main" id="{64396D7B-479C-4103-B998-771FD9E7E7F9}"/>
               </a:ext>
             </a:extLst>
           </p:cNvPr>
@@ -10017,18 +10254,27 @@
           <a:lstStyle/>
           <a:p>
             <a:r>
-              <a:rPr lang="en-US" dirty="0"/>
-              <a:t>3.0 Demo</a:t>
-            </a:r>
-          </a:p>
-        </p:txBody>
-      </p:sp>
-      <p:sp>
-        <p:nvSpPr>
-          <p:cNvPr id="4" name="Text Placeholder 3">
+              <a:rPr lang="en-US" cap="none" dirty="0" err="1"/>
+              <a:t>Xamarin.Forms</a:t>
+            </a:r>
+            <a:r>
+              <a:rPr lang="en-US" dirty="0"/>
+              <a:t> </a:t>
+            </a:r>
+            <a:r>
+              <a:rPr lang="en-US" cap="none" dirty="0" err="1"/>
+              <a:t>BindableLayout</a:t>
+            </a:r>
+            <a:endParaRPr lang="en-US" dirty="0"/>
+          </a:p>
+        </p:txBody>
+      </p:sp>
+      <p:sp>
+        <p:nvSpPr>
+          <p:cNvPr id="3" name="Content Placeholder 2">
             <a:extLst>
               <a:ext uri="{FF2B5EF4-FFF2-40B4-BE49-F238E27FC236}">
-                <a16:creationId xmlns:a16="http://schemas.microsoft.com/office/drawing/2014/main" id="{5A6A8F22-3C36-42E6-ACA2-EDC4CC06B293}"/>
+                <a16:creationId xmlns:a16="http://schemas.microsoft.com/office/drawing/2014/main" id="{48C43C1B-B4C7-4A98-9D60-76930756EB11}"/>
               </a:ext>
             </a:extLst>
           </p:cNvPr>
@@ -10036,7 +10282,7 @@
             <a:spLocks noGrp="1"/>
           </p:cNvSpPr>
           <p:nvPr>
-            <p:ph type="body" idx="1"/>
+            <p:ph idx="1"/>
           </p:nvPr>
         </p:nvSpPr>
         <p:spPr/>
@@ -10046,12 +10292,47 @@
           <a:p>
             <a:r>
               <a:rPr lang="en-US" dirty="0"/>
-              <a:t>Visual State Manager, Flexbox, </a:t>
-            </a:r>
+              <a:t>Attached property on Layout&lt;T&gt;</a:t>
+            </a:r>
+          </a:p>
+          <a:p>
+            <a:r>
+              <a:rPr lang="en-US" dirty="0"/>
+              <a:t>MVVM binding of properties to i.e.</a:t>
+            </a:r>
+          </a:p>
+          <a:p>
+            <a:pPr lvl="1"/>
             <a:r>
               <a:rPr lang="en-US" dirty="0" err="1"/>
-              <a:t>Css</a:t>
-            </a:r>
+              <a:t>StackLayout</a:t>
+            </a:r>
+            <a:endParaRPr lang="en-US" dirty="0"/>
+          </a:p>
+          <a:p>
+            <a:pPr lvl="1"/>
+            <a:r>
+              <a:rPr lang="en-US" dirty="0" err="1"/>
+              <a:t>RelativeLayout</a:t>
+            </a:r>
+            <a:endParaRPr lang="en-US" dirty="0"/>
+          </a:p>
+          <a:p>
+            <a:pPr lvl="1"/>
+            <a:r>
+              <a:rPr lang="en-US" dirty="0" err="1"/>
+              <a:t>FlexLayout</a:t>
+            </a:r>
+            <a:endParaRPr lang="en-US" dirty="0"/>
+          </a:p>
+          <a:p>
+            <a:pPr lvl="1"/>
+            <a:r>
+              <a:rPr lang="en-US" dirty="0"/>
+              <a:t>Grid</a:t>
+            </a:r>
+          </a:p>
+          <a:p>
             <a:endParaRPr lang="en-US" dirty="0"/>
           </a:p>
         </p:txBody>
@@ -10059,7 +10340,7 @@
     </p:spTree>
     <p:extLst>
       <p:ext uri="{BB962C8B-B14F-4D97-AF65-F5344CB8AC3E}">
-        <p14:creationId xmlns:p14="http://schemas.microsoft.com/office/powerpoint/2010/main" val="238353314"/>
+        <p14:creationId xmlns:p14="http://schemas.microsoft.com/office/powerpoint/2010/main" val="1184050917"/>
       </p:ext>
     </p:extLst>
   </p:cSld>
@@ -10088,10 +10369,10 @@
       </p:grpSpPr>
       <p:sp>
         <p:nvSpPr>
-          <p:cNvPr id="4" name="Title 3">
+          <p:cNvPr id="2" name="Title 1">
             <a:extLst>
               <a:ext uri="{FF2B5EF4-FFF2-40B4-BE49-F238E27FC236}">
-                <a16:creationId xmlns:a16="http://schemas.microsoft.com/office/drawing/2014/main" id="{6B4A6FC1-974C-4FEC-9601-4CAF84D2694E}"/>
+                <a16:creationId xmlns:a16="http://schemas.microsoft.com/office/drawing/2014/main" id="{9576A862-6AFA-4B18-A99F-A24230596311}"/>
               </a:ext>
             </a:extLst>
           </p:cNvPr>
@@ -10102,28 +10383,29 @@
             <p:ph type="title"/>
           </p:nvPr>
         </p:nvSpPr>
-        <p:spPr/>
+        <p:spPr>
+          <a:xfrm>
+            <a:off x="1451579" y="804519"/>
+            <a:ext cx="9603275" cy="1049235"/>
+          </a:xfrm>
+        </p:spPr>
         <p:txBody>
           <a:bodyPr/>
           <a:lstStyle/>
           <a:p>
             <a:r>
-              <a:rPr lang="en-US" dirty="0" err="1"/>
-              <a:t>Xamarin.Forms</a:t>
-            </a:r>
-            <a:r>
-              <a:rPr lang="en-US" dirty="0"/>
-              <a:t> 3.1</a:t>
-            </a:r>
-          </a:p>
-        </p:txBody>
-      </p:sp>
-      <p:sp>
-        <p:nvSpPr>
-          <p:cNvPr id="5" name="Content Placeholder 4">
+              <a:rPr lang="en-US" dirty="0"/>
+              <a:t>Xamarin Forms</a:t>
+            </a:r>
+          </a:p>
+        </p:txBody>
+      </p:sp>
+      <p:sp>
+        <p:nvSpPr>
+          <p:cNvPr id="3" name="Content Placeholder 2">
             <a:extLst>
               <a:ext uri="{FF2B5EF4-FFF2-40B4-BE49-F238E27FC236}">
-                <a16:creationId xmlns:a16="http://schemas.microsoft.com/office/drawing/2014/main" id="{C07B698B-6003-4D54-9F6B-C7D3801B1ABF}"/>
+                <a16:creationId xmlns:a16="http://schemas.microsoft.com/office/drawing/2014/main" id="{91EF99BC-5038-40F1-B73F-32E512A79F57}"/>
               </a:ext>
             </a:extLst>
           </p:cNvPr>
@@ -10134,34 +10416,67 @@
             <p:ph idx="1"/>
           </p:nvPr>
         </p:nvSpPr>
-        <p:spPr/>
+        <p:spPr>
+          <a:xfrm>
+            <a:off x="1451579" y="2015732"/>
+            <a:ext cx="9603275" cy="3450613"/>
+          </a:xfrm>
+        </p:spPr>
         <p:txBody>
           <a:bodyPr/>
           <a:lstStyle/>
           <a:p>
             <a:r>
               <a:rPr lang="en-US" dirty="0"/>
-              <a:t>F100 Features</a:t>
-            </a:r>
-          </a:p>
-          <a:p>
-            <a:r>
-              <a:rPr lang="en-US" dirty="0"/>
-              <a:t>Incl. Editor enhancements</a:t>
-            </a:r>
-          </a:p>
-          <a:p>
-            <a:r>
-              <a:rPr lang="en-US" dirty="0"/>
-              <a:t>Incl. Entry enhancements</a:t>
-            </a:r>
+              <a:t>Xamarin Forms Flexbox</a:t>
+            </a:r>
+          </a:p>
+          <a:p>
+            <a:r>
+              <a:rPr lang="en-US" dirty="0"/>
+              <a:t>Xamarin Forms CSS</a:t>
+            </a:r>
+          </a:p>
+          <a:p>
+            <a:r>
+              <a:rPr lang="en-US" dirty="0"/>
+              <a:t>Xamarin Forms </a:t>
+            </a:r>
+            <a:r>
+              <a:rPr lang="en-US" dirty="0" err="1"/>
+              <a:t>BindableLayout</a:t>
+            </a:r>
+            <a:endParaRPr lang="en-US" dirty="0"/>
+          </a:p>
+          <a:p>
+            <a:r>
+              <a:rPr lang="en-US" dirty="0"/>
+              <a:t>Xamarin Forms Styles</a:t>
+            </a:r>
+          </a:p>
+          <a:p>
+            <a:r>
+              <a:rPr lang="en-US" dirty="0"/>
+              <a:t>Xamarin Forms Shells</a:t>
+            </a:r>
+          </a:p>
+          <a:p>
+            <a:r>
+              <a:rPr lang="en-US" dirty="0"/>
+              <a:t>Xamarin Forms </a:t>
+            </a:r>
+            <a:r>
+              <a:rPr lang="en-US" dirty="0" err="1"/>
+              <a:t>CollectionView</a:t>
+            </a:r>
+            <a:endParaRPr lang="en-US" dirty="0"/>
           </a:p>
         </p:txBody>
       </p:sp>
     </p:spTree>
     <p:extLst>
       <p:ext uri="{BB962C8B-B14F-4D97-AF65-F5344CB8AC3E}">
-        <p14:creationId xmlns:p14="http://schemas.microsoft.com/office/powerpoint/2010/main" val="2545285701"/>
+        <p14:creationId xmlns:p14="http://schemas.microsoft.com/office/powerpoint/2010/main" val="93611427"/>
       </p:ext>
     </p:extLst>
   </p:cSld>
@@ -10190,10 +10505,10 @@
       </p:grpSpPr>
       <p:sp>
         <p:nvSpPr>
-          <p:cNvPr id="4" name="Title 3">
+          <p:cNvPr id="2" name="Title 1">
             <a:extLst>
               <a:ext uri="{FF2B5EF4-FFF2-40B4-BE49-F238E27FC236}">
-                <a16:creationId xmlns:a16="http://schemas.microsoft.com/office/drawing/2014/main" id="{BAA22573-8191-4C39-AB80-1B97EE7EBA80}"/>
+                <a16:creationId xmlns:a16="http://schemas.microsoft.com/office/drawing/2014/main" id="{2CDE5C20-9068-4B35-8DF6-275EB5475D08}"/>
               </a:ext>
             </a:extLst>
           </p:cNvPr>
@@ -10211,17 +10526,17 @@
           <a:p>
             <a:r>
               <a:rPr lang="en-US" dirty="0"/>
-              <a:t>3.1 Demo</a:t>
-            </a:r>
-          </a:p>
-        </p:txBody>
-      </p:sp>
-      <p:sp>
-        <p:nvSpPr>
-          <p:cNvPr id="5" name="Text Placeholder 4">
+              <a:t>3.0 Demo</a:t>
+            </a:r>
+          </a:p>
+        </p:txBody>
+      </p:sp>
+      <p:sp>
+        <p:nvSpPr>
+          <p:cNvPr id="4" name="Text Placeholder 3">
             <a:extLst>
               <a:ext uri="{FF2B5EF4-FFF2-40B4-BE49-F238E27FC236}">
-                <a16:creationId xmlns:a16="http://schemas.microsoft.com/office/drawing/2014/main" id="{85EDC043-3688-455E-AFE7-73BF1FFD2B6B}"/>
+                <a16:creationId xmlns:a16="http://schemas.microsoft.com/office/drawing/2014/main" id="{5A6A8F22-3C36-42E6-ACA2-EDC4CC06B293}"/>
               </a:ext>
             </a:extLst>
           </p:cNvPr>
@@ -10239,15 +10554,20 @@
           <a:p>
             <a:r>
               <a:rPr lang="en-US" dirty="0"/>
-              <a:t>Editor Enhancements, Entry Enhancements</a:t>
-            </a:r>
+              <a:t>Visual State Manager, Flexbox, </a:t>
+            </a:r>
+            <a:r>
+              <a:rPr lang="en-US" dirty="0" err="1"/>
+              <a:t>Css</a:t>
+            </a:r>
+            <a:endParaRPr lang="en-US" dirty="0"/>
           </a:p>
         </p:txBody>
       </p:sp>
     </p:spTree>
     <p:extLst>
       <p:ext uri="{BB962C8B-B14F-4D97-AF65-F5344CB8AC3E}">
-        <p14:creationId xmlns:p14="http://schemas.microsoft.com/office/powerpoint/2010/main" val="518099457"/>
+        <p14:creationId xmlns:p14="http://schemas.microsoft.com/office/powerpoint/2010/main" val="238353314"/>
       </p:ext>
     </p:extLst>
   </p:cSld>
@@ -10279,7 +10599,7 @@
           <p:cNvPr id="4" name="Title 3">
             <a:extLst>
               <a:ext uri="{FF2B5EF4-FFF2-40B4-BE49-F238E27FC236}">
-                <a16:creationId xmlns:a16="http://schemas.microsoft.com/office/drawing/2014/main" id="{DC572856-3748-43C5-9F8A-05A70671F7B6}"/>
+                <a16:creationId xmlns:a16="http://schemas.microsoft.com/office/drawing/2014/main" id="{6B4A6FC1-974C-4FEC-9601-4CAF84D2694E}"/>
               </a:ext>
             </a:extLst>
           </p:cNvPr>
@@ -10301,7 +10621,7 @@
             </a:r>
             <a:r>
               <a:rPr lang="en-US" dirty="0"/>
-              <a:t> 3.2</a:t>
+              <a:t> 3.1</a:t>
             </a:r>
           </a:p>
         </p:txBody>
@@ -10311,7 +10631,7 @@
           <p:cNvPr id="5" name="Content Placeholder 4">
             <a:extLst>
               <a:ext uri="{FF2B5EF4-FFF2-40B4-BE49-F238E27FC236}">
-                <a16:creationId xmlns:a16="http://schemas.microsoft.com/office/drawing/2014/main" id="{BEB02382-01EF-498E-8115-DB65F5FA668F}"/>
+                <a16:creationId xmlns:a16="http://schemas.microsoft.com/office/drawing/2014/main" id="{C07B698B-6003-4D54-9F6B-C7D3801B1ABF}"/>
               </a:ext>
             </a:extLst>
           </p:cNvPr>
@@ -10329,45 +10649,27 @@
           <a:p>
             <a:r>
               <a:rPr lang="en-US" dirty="0"/>
-              <a:t>More F100 Features</a:t>
-            </a:r>
-          </a:p>
-          <a:p>
-            <a:r>
-              <a:rPr lang="en-US" dirty="0"/>
-              <a:t>Custom </a:t>
-            </a:r>
-            <a:r>
-              <a:rPr lang="en-US" dirty="0" err="1"/>
-              <a:t>Titlebar</a:t>
-            </a:r>
-            <a:endParaRPr lang="en-US" dirty="0"/>
-          </a:p>
-          <a:p>
-            <a:r>
-              <a:rPr lang="en-US" dirty="0"/>
-              <a:t>Editor Placeholder Color</a:t>
-            </a:r>
-          </a:p>
-          <a:p>
-            <a:r>
-              <a:rPr lang="en-US" dirty="0" err="1"/>
-              <a:t>OnPlatform</a:t>
-            </a:r>
-            <a:r>
-              <a:rPr lang="en-US" dirty="0"/>
-              <a:t> Extension</a:t>
-            </a:r>
-          </a:p>
-          <a:p>
-            <a:endParaRPr lang="en-US" dirty="0"/>
+              <a:t>F100 Features</a:t>
+            </a:r>
+          </a:p>
+          <a:p>
+            <a:r>
+              <a:rPr lang="en-US" dirty="0"/>
+              <a:t>Incl. Editor enhancements</a:t>
+            </a:r>
+          </a:p>
+          <a:p>
+            <a:r>
+              <a:rPr lang="en-US" dirty="0"/>
+              <a:t>Incl. Entry enhancements</a:t>
+            </a:r>
           </a:p>
         </p:txBody>
       </p:sp>
     </p:spTree>
     <p:extLst>
       <p:ext uri="{BB962C8B-B14F-4D97-AF65-F5344CB8AC3E}">
-        <p14:creationId xmlns:p14="http://schemas.microsoft.com/office/powerpoint/2010/main" val="233903326"/>
+        <p14:creationId xmlns:p14="http://schemas.microsoft.com/office/powerpoint/2010/main" val="2545285701"/>
       </p:ext>
     </p:extLst>
   </p:cSld>
